--- a/singapore_presentation1.pptx
+++ b/singapore_presentation1.pptx
@@ -5,21 +5,23 @@
     <p:sldMasterId id="2147483731" r:id="rId1"/>
   </p:sldMasterIdLst>
   <p:sldIdLst>
-    <p:sldId id="256" r:id="rId2"/>
-    <p:sldId id="257" r:id="rId3"/>
-    <p:sldId id="258" r:id="rId4"/>
-    <p:sldId id="259" r:id="rId5"/>
-    <p:sldId id="260" r:id="rId6"/>
-    <p:sldId id="261" r:id="rId7"/>
-    <p:sldId id="262" r:id="rId8"/>
-    <p:sldId id="263" r:id="rId9"/>
-    <p:sldId id="264" r:id="rId10"/>
-    <p:sldId id="265" r:id="rId11"/>
-    <p:sldId id="266" r:id="rId12"/>
-    <p:sldId id="267" r:id="rId13"/>
+    <p:sldId id="276" r:id="rId2"/>
+    <p:sldId id="277" r:id="rId3"/>
+    <p:sldId id="257" r:id="rId4"/>
+    <p:sldId id="258" r:id="rId5"/>
+    <p:sldId id="259" r:id="rId6"/>
+    <p:sldId id="260" r:id="rId7"/>
+    <p:sldId id="261" r:id="rId8"/>
+    <p:sldId id="262" r:id="rId9"/>
+    <p:sldId id="263" r:id="rId10"/>
+    <p:sldId id="264" r:id="rId11"/>
+    <p:sldId id="265" r:id="rId12"/>
+    <p:sldId id="272" r:id="rId13"/>
     <p:sldId id="268" r:id="rId14"/>
     <p:sldId id="269" r:id="rId15"/>
-    <p:sldId id="270" r:id="rId16"/>
+    <p:sldId id="274" r:id="rId16"/>
+    <p:sldId id="270" r:id="rId17"/>
+    <p:sldId id="275" r:id="rId18"/>
   </p:sldIdLst>
   <p:sldSz cx="12192000" cy="6858000"/>
   <p:notesSz cx="6858000" cy="9144000"/>
@@ -704,7 +706,7 @@
           </a:lstStyle>
           <a:p>
             <a:r>
-              <a:rPr lang="en-US" smtClean="0"/>
+              <a:rPr lang="en-US"/>
               <a:t>Click to edit Master title style</a:t>
             </a:r>
             <a:endParaRPr lang="en-US" dirty="0"/>
@@ -824,7 +826,7 @@
           </a:lstStyle>
           <a:p>
             <a:r>
-              <a:rPr lang="en-US" smtClean="0"/>
+              <a:rPr lang="en-US"/>
               <a:t>Click to edit Master subtitle style</a:t>
             </a:r>
             <a:endParaRPr lang="en-US" dirty="0"/>
@@ -848,7 +850,7 @@
           <a:p>
             <a:fld id="{D112F1FF-A02F-474F-A9E6-BF89D15A9352}" type="datetimeFigureOut">
               <a:rPr lang="en-IN" smtClean="0"/>
-              <a:t>16-10-2018</a:t>
+              <a:t>20-10-2018</a:t>
             </a:fld>
             <a:endParaRPr lang="en-IN"/>
           </a:p>
@@ -953,7 +955,7 @@
           </a:lstStyle>
           <a:p>
             <a:r>
-              <a:rPr lang="en-US" smtClean="0"/>
+              <a:rPr lang="en-US"/>
               <a:t>Click to edit Master title style</a:t>
             </a:r>
             <a:endParaRPr lang="en-US" dirty="0"/>
@@ -1076,7 +1078,7 @@
           <a:p>
             <a:pPr lvl="0"/>
             <a:r>
-              <a:rPr lang="en-US" smtClean="0"/>
+              <a:rPr lang="en-US"/>
               <a:t>Edit Master text styles</a:t>
             </a:r>
           </a:p>
@@ -1099,7 +1101,7 @@
           <a:p>
             <a:fld id="{D112F1FF-A02F-474F-A9E6-BF89D15A9352}" type="datetimeFigureOut">
               <a:rPr lang="en-IN" smtClean="0"/>
-              <a:t>16-10-2018</a:t>
+              <a:t>20-10-2018</a:t>
             </a:fld>
             <a:endParaRPr lang="en-IN"/>
           </a:p>
@@ -1204,7 +1206,7 @@
           </a:lstStyle>
           <a:p>
             <a:r>
-              <a:rPr lang="en-US" smtClean="0"/>
+              <a:rPr lang="en-US"/>
               <a:t>Click to edit Master title style</a:t>
             </a:r>
             <a:endParaRPr lang="en-US" dirty="0"/>
@@ -1268,7 +1270,7 @@
           <a:p>
             <a:pPr lvl="0"/>
             <a:r>
-              <a:rPr lang="en-US" smtClean="0"/>
+              <a:rPr lang="en-US"/>
               <a:t>Edit Master text styles</a:t>
             </a:r>
           </a:p>
@@ -1390,7 +1392,7 @@
           <a:p>
             <a:pPr lvl="0"/>
             <a:r>
-              <a:rPr lang="en-US" smtClean="0"/>
+              <a:rPr lang="en-US"/>
               <a:t>Edit Master text styles</a:t>
             </a:r>
           </a:p>
@@ -1413,7 +1415,7 @@
           <a:p>
             <a:fld id="{D112F1FF-A02F-474F-A9E6-BF89D15A9352}" type="datetimeFigureOut">
               <a:rPr lang="en-IN" smtClean="0"/>
-              <a:t>16-10-2018</a:t>
+              <a:t>20-10-2018</a:t>
             </a:fld>
             <a:endParaRPr lang="en-IN"/>
           </a:p>
@@ -1608,7 +1610,7 @@
           </a:lstStyle>
           <a:p>
             <a:r>
-              <a:rPr lang="en-US" smtClean="0"/>
+              <a:rPr lang="en-US"/>
               <a:t>Click to edit Master title style</a:t>
             </a:r>
             <a:endParaRPr lang="en-US" dirty="0"/>
@@ -1731,7 +1733,7 @@
           <a:p>
             <a:pPr lvl="0"/>
             <a:r>
-              <a:rPr lang="en-US" smtClean="0"/>
+              <a:rPr lang="en-US"/>
               <a:t>Edit Master text styles</a:t>
             </a:r>
           </a:p>
@@ -1754,7 +1756,7 @@
           <a:p>
             <a:fld id="{D112F1FF-A02F-474F-A9E6-BF89D15A9352}" type="datetimeFigureOut">
               <a:rPr lang="en-IN" smtClean="0"/>
-              <a:t>16-10-2018</a:t>
+              <a:t>20-10-2018</a:t>
             </a:fld>
             <a:endParaRPr lang="en-IN"/>
           </a:p>
@@ -1859,7 +1861,7 @@
           </a:lstStyle>
           <a:p>
             <a:r>
-              <a:rPr lang="en-US" smtClean="0"/>
+              <a:rPr lang="en-US"/>
               <a:t>Click to edit Master title style</a:t>
             </a:r>
             <a:endParaRPr lang="en-US" dirty="0"/>
@@ -1923,7 +1925,7 @@
           <a:p>
             <a:pPr lvl="0"/>
             <a:r>
-              <a:rPr lang="en-US" smtClean="0"/>
+              <a:rPr lang="en-US"/>
               <a:t>Edit Master text styles</a:t>
             </a:r>
           </a:p>
@@ -2045,7 +2047,7 @@
           <a:p>
             <a:pPr lvl="0"/>
             <a:r>
-              <a:rPr lang="en-US" smtClean="0"/>
+              <a:rPr lang="en-US"/>
               <a:t>Edit Master text styles</a:t>
             </a:r>
           </a:p>
@@ -2068,7 +2070,7 @@
           <a:p>
             <a:fld id="{D112F1FF-A02F-474F-A9E6-BF89D15A9352}" type="datetimeFigureOut">
               <a:rPr lang="en-IN" smtClean="0"/>
-              <a:t>16-10-2018</a:t>
+              <a:t>20-10-2018</a:t>
             </a:fld>
             <a:endParaRPr lang="en-IN"/>
           </a:p>
@@ -2255,7 +2257,7 @@
           </a:lstStyle>
           <a:p>
             <a:r>
-              <a:rPr lang="en-US" smtClean="0"/>
+              <a:rPr lang="en-US"/>
               <a:t>Click to edit Master title style</a:t>
             </a:r>
             <a:endParaRPr lang="en-US" dirty="0"/>
@@ -2316,7 +2318,7 @@
           <a:p>
             <a:pPr lvl="0"/>
             <a:r>
-              <a:rPr lang="en-US" smtClean="0"/>
+              <a:rPr lang="en-US"/>
               <a:t>Edit Master text styles</a:t>
             </a:r>
           </a:p>
@@ -2438,7 +2440,7 @@
           <a:p>
             <a:pPr lvl="0"/>
             <a:r>
-              <a:rPr lang="en-US" smtClean="0"/>
+              <a:rPr lang="en-US"/>
               <a:t>Edit Master text styles</a:t>
             </a:r>
           </a:p>
@@ -2461,7 +2463,7 @@
           <a:p>
             <a:fld id="{D112F1FF-A02F-474F-A9E6-BF89D15A9352}" type="datetimeFigureOut">
               <a:rPr lang="en-IN" smtClean="0"/>
-              <a:t>16-10-2018</a:t>
+              <a:t>20-10-2018</a:t>
             </a:fld>
             <a:endParaRPr lang="en-IN"/>
           </a:p>
@@ -2555,7 +2557,7 @@
           <a:lstStyle/>
           <a:p>
             <a:r>
-              <a:rPr lang="en-US" smtClean="0"/>
+              <a:rPr lang="en-US"/>
               <a:t>Click to edit Master title style</a:t>
             </a:r>
             <a:endParaRPr lang="en-US" dirty="0"/>
@@ -2579,35 +2581,35 @@
           <a:p>
             <a:pPr lvl="0"/>
             <a:r>
-              <a:rPr lang="en-US" smtClean="0"/>
+              <a:rPr lang="en-US"/>
               <a:t>Edit Master text styles</a:t>
             </a:r>
           </a:p>
           <a:p>
             <a:pPr lvl="1"/>
             <a:r>
-              <a:rPr lang="en-US" smtClean="0"/>
+              <a:rPr lang="en-US"/>
               <a:t>Second level</a:t>
             </a:r>
           </a:p>
           <a:p>
             <a:pPr lvl="2"/>
             <a:r>
-              <a:rPr lang="en-US" smtClean="0"/>
+              <a:rPr lang="en-US"/>
               <a:t>Third level</a:t>
             </a:r>
           </a:p>
           <a:p>
             <a:pPr lvl="3"/>
             <a:r>
-              <a:rPr lang="en-US" smtClean="0"/>
+              <a:rPr lang="en-US"/>
               <a:t>Fourth level</a:t>
             </a:r>
           </a:p>
           <a:p>
             <a:pPr lvl="4"/>
             <a:r>
-              <a:rPr lang="en-US" smtClean="0"/>
+              <a:rPr lang="en-US"/>
               <a:t>Fifth level</a:t>
             </a:r>
             <a:endParaRPr lang="en-US" dirty="0"/>
@@ -2631,7 +2633,7 @@
           <a:p>
             <a:fld id="{D112F1FF-A02F-474F-A9E6-BF89D15A9352}" type="datetimeFigureOut">
               <a:rPr lang="en-IN" smtClean="0"/>
-              <a:t>16-10-2018</a:t>
+              <a:t>20-10-2018</a:t>
             </a:fld>
             <a:endParaRPr lang="en-IN"/>
           </a:p>
@@ -2730,7 +2732,7 @@
           <a:lstStyle/>
           <a:p>
             <a:r>
-              <a:rPr lang="en-US" smtClean="0"/>
+              <a:rPr lang="en-US"/>
               <a:t>Click to edit Master title style</a:t>
             </a:r>
             <a:endParaRPr lang="en-US" dirty="0"/>
@@ -2759,35 +2761,35 @@
           <a:p>
             <a:pPr lvl="0"/>
             <a:r>
-              <a:rPr lang="en-US" smtClean="0"/>
+              <a:rPr lang="en-US"/>
               <a:t>Edit Master text styles</a:t>
             </a:r>
           </a:p>
           <a:p>
             <a:pPr lvl="1"/>
             <a:r>
-              <a:rPr lang="en-US" smtClean="0"/>
+              <a:rPr lang="en-US"/>
               <a:t>Second level</a:t>
             </a:r>
           </a:p>
           <a:p>
             <a:pPr lvl="2"/>
             <a:r>
-              <a:rPr lang="en-US" smtClean="0"/>
+              <a:rPr lang="en-US"/>
               <a:t>Third level</a:t>
             </a:r>
           </a:p>
           <a:p>
             <a:pPr lvl="3"/>
             <a:r>
-              <a:rPr lang="en-US" smtClean="0"/>
+              <a:rPr lang="en-US"/>
               <a:t>Fourth level</a:t>
             </a:r>
           </a:p>
           <a:p>
             <a:pPr lvl="4"/>
             <a:r>
-              <a:rPr lang="en-US" smtClean="0"/>
+              <a:rPr lang="en-US"/>
               <a:t>Fifth level</a:t>
             </a:r>
             <a:endParaRPr lang="en-US" dirty="0"/>
@@ -2811,7 +2813,7 @@
           <a:p>
             <a:fld id="{D112F1FF-A02F-474F-A9E6-BF89D15A9352}" type="datetimeFigureOut">
               <a:rPr lang="en-IN" smtClean="0"/>
-              <a:t>16-10-2018</a:t>
+              <a:t>20-10-2018</a:t>
             </a:fld>
             <a:endParaRPr lang="en-IN"/>
           </a:p>
@@ -2911,7 +2913,7 @@
           </a:lstStyle>
           <a:p>
             <a:r>
-              <a:rPr lang="en-US" smtClean="0"/>
+              <a:rPr lang="en-US"/>
               <a:t>Click to edit Master title style</a:t>
             </a:r>
             <a:endParaRPr lang="en-US" dirty="0"/>
@@ -2935,35 +2937,35 @@
           <a:p>
             <a:pPr lvl="0"/>
             <a:r>
-              <a:rPr lang="en-US" smtClean="0"/>
+              <a:rPr lang="en-US"/>
               <a:t>Edit Master text styles</a:t>
             </a:r>
           </a:p>
           <a:p>
             <a:pPr lvl="1"/>
             <a:r>
-              <a:rPr lang="en-US" smtClean="0"/>
+              <a:rPr lang="en-US"/>
               <a:t>Second level</a:t>
             </a:r>
           </a:p>
           <a:p>
             <a:pPr lvl="2"/>
             <a:r>
-              <a:rPr lang="en-US" smtClean="0"/>
+              <a:rPr lang="en-US"/>
               <a:t>Third level</a:t>
             </a:r>
           </a:p>
           <a:p>
             <a:pPr lvl="3"/>
             <a:r>
-              <a:rPr lang="en-US" smtClean="0"/>
+              <a:rPr lang="en-US"/>
               <a:t>Fourth level</a:t>
             </a:r>
           </a:p>
           <a:p>
             <a:pPr lvl="4"/>
             <a:r>
-              <a:rPr lang="en-US" smtClean="0"/>
+              <a:rPr lang="en-US"/>
               <a:t>Fifth level</a:t>
             </a:r>
             <a:endParaRPr lang="en-US" dirty="0"/>
@@ -2987,7 +2989,7 @@
           <a:p>
             <a:fld id="{D112F1FF-A02F-474F-A9E6-BF89D15A9352}" type="datetimeFigureOut">
               <a:rPr lang="en-IN" smtClean="0"/>
-              <a:t>16-10-2018</a:t>
+              <a:t>20-10-2018</a:t>
             </a:fld>
             <a:endParaRPr lang="en-IN"/>
           </a:p>
@@ -3090,7 +3092,7 @@
           </a:lstStyle>
           <a:p>
             <a:r>
-              <a:rPr lang="en-US" smtClean="0"/>
+              <a:rPr lang="en-US"/>
               <a:t>Click to edit Master title style</a:t>
             </a:r>
             <a:endParaRPr lang="en-US" dirty="0"/>
@@ -3211,7 +3213,7 @@
           <a:p>
             <a:pPr lvl="0"/>
             <a:r>
-              <a:rPr lang="en-US" smtClean="0"/>
+              <a:rPr lang="en-US"/>
               <a:t>Edit Master text styles</a:t>
             </a:r>
           </a:p>
@@ -3234,7 +3236,7 @@
           <a:p>
             <a:fld id="{D112F1FF-A02F-474F-A9E6-BF89D15A9352}" type="datetimeFigureOut">
               <a:rPr lang="en-IN" smtClean="0"/>
-              <a:t>16-10-2018</a:t>
+              <a:t>20-10-2018</a:t>
             </a:fld>
             <a:endParaRPr lang="en-IN"/>
           </a:p>
@@ -3328,7 +3330,7 @@
           <a:lstStyle/>
           <a:p>
             <a:r>
-              <a:rPr lang="en-US" smtClean="0"/>
+              <a:rPr lang="en-US"/>
               <a:t>Click to edit Master title style</a:t>
             </a:r>
             <a:endParaRPr lang="en-US" dirty="0"/>
@@ -3357,35 +3359,35 @@
           <a:p>
             <a:pPr lvl="0"/>
             <a:r>
-              <a:rPr lang="en-US" smtClean="0"/>
+              <a:rPr lang="en-US"/>
               <a:t>Edit Master text styles</a:t>
             </a:r>
           </a:p>
           <a:p>
             <a:pPr lvl="1"/>
             <a:r>
-              <a:rPr lang="en-US" smtClean="0"/>
+              <a:rPr lang="en-US"/>
               <a:t>Second level</a:t>
             </a:r>
           </a:p>
           <a:p>
             <a:pPr lvl="2"/>
             <a:r>
-              <a:rPr lang="en-US" smtClean="0"/>
+              <a:rPr lang="en-US"/>
               <a:t>Third level</a:t>
             </a:r>
           </a:p>
           <a:p>
             <a:pPr lvl="3"/>
             <a:r>
-              <a:rPr lang="en-US" smtClean="0"/>
+              <a:rPr lang="en-US"/>
               <a:t>Fourth level</a:t>
             </a:r>
           </a:p>
           <a:p>
             <a:pPr lvl="4"/>
             <a:r>
-              <a:rPr lang="en-US" smtClean="0"/>
+              <a:rPr lang="en-US"/>
               <a:t>Fifth level</a:t>
             </a:r>
             <a:endParaRPr lang="en-US" dirty="0"/>
@@ -3414,35 +3416,35 @@
           <a:p>
             <a:pPr lvl="0"/>
             <a:r>
-              <a:rPr lang="en-US" smtClean="0"/>
+              <a:rPr lang="en-US"/>
               <a:t>Edit Master text styles</a:t>
             </a:r>
           </a:p>
           <a:p>
             <a:pPr lvl="1"/>
             <a:r>
-              <a:rPr lang="en-US" smtClean="0"/>
+              <a:rPr lang="en-US"/>
               <a:t>Second level</a:t>
             </a:r>
           </a:p>
           <a:p>
             <a:pPr lvl="2"/>
             <a:r>
-              <a:rPr lang="en-US" smtClean="0"/>
+              <a:rPr lang="en-US"/>
               <a:t>Third level</a:t>
             </a:r>
           </a:p>
           <a:p>
             <a:pPr lvl="3"/>
             <a:r>
-              <a:rPr lang="en-US" smtClean="0"/>
+              <a:rPr lang="en-US"/>
               <a:t>Fourth level</a:t>
             </a:r>
           </a:p>
           <a:p>
             <a:pPr lvl="4"/>
             <a:r>
-              <a:rPr lang="en-US" smtClean="0"/>
+              <a:rPr lang="en-US"/>
               <a:t>Fifth level</a:t>
             </a:r>
             <a:endParaRPr lang="en-US" dirty="0"/>
@@ -3466,7 +3468,7 @@
           <a:p>
             <a:fld id="{D112F1FF-A02F-474F-A9E6-BF89D15A9352}" type="datetimeFigureOut">
               <a:rPr lang="en-IN" smtClean="0"/>
-              <a:t>16-10-2018</a:t>
+              <a:t>20-10-2018</a:t>
             </a:fld>
             <a:endParaRPr lang="en-IN"/>
           </a:p>
@@ -3564,7 +3566,7 @@
           </a:lstStyle>
           <a:p>
             <a:r>
-              <a:rPr lang="en-US" smtClean="0"/>
+              <a:rPr lang="en-US"/>
               <a:t>Click to edit Master title style</a:t>
             </a:r>
             <a:endParaRPr lang="en-US" dirty="0"/>
@@ -3632,7 +3634,7 @@
           <a:p>
             <a:pPr lvl="0"/>
             <a:r>
-              <a:rPr lang="en-US" smtClean="0"/>
+              <a:rPr lang="en-US"/>
               <a:t>Edit Master text styles</a:t>
             </a:r>
           </a:p>
@@ -3662,35 +3664,35 @@
           <a:p>
             <a:pPr lvl="0"/>
             <a:r>
-              <a:rPr lang="en-US" smtClean="0"/>
+              <a:rPr lang="en-US"/>
               <a:t>Edit Master text styles</a:t>
             </a:r>
           </a:p>
           <a:p>
             <a:pPr lvl="1"/>
             <a:r>
-              <a:rPr lang="en-US" smtClean="0"/>
+              <a:rPr lang="en-US"/>
               <a:t>Second level</a:t>
             </a:r>
           </a:p>
           <a:p>
             <a:pPr lvl="2"/>
             <a:r>
-              <a:rPr lang="en-US" smtClean="0"/>
+              <a:rPr lang="en-US"/>
               <a:t>Third level</a:t>
             </a:r>
           </a:p>
           <a:p>
             <a:pPr lvl="3"/>
             <a:r>
-              <a:rPr lang="en-US" smtClean="0"/>
+              <a:rPr lang="en-US"/>
               <a:t>Fourth level</a:t>
             </a:r>
           </a:p>
           <a:p>
             <a:pPr lvl="4"/>
             <a:r>
-              <a:rPr lang="en-US" smtClean="0"/>
+              <a:rPr lang="en-US"/>
               <a:t>Fifth level</a:t>
             </a:r>
             <a:endParaRPr lang="en-US" dirty="0"/>
@@ -3758,7 +3760,7 @@
           <a:p>
             <a:pPr lvl="0"/>
             <a:r>
-              <a:rPr lang="en-US" smtClean="0"/>
+              <a:rPr lang="en-US"/>
               <a:t>Edit Master text styles</a:t>
             </a:r>
           </a:p>
@@ -3788,35 +3790,35 @@
           <a:p>
             <a:pPr lvl="0"/>
             <a:r>
-              <a:rPr lang="en-US" smtClean="0"/>
+              <a:rPr lang="en-US"/>
               <a:t>Edit Master text styles</a:t>
             </a:r>
           </a:p>
           <a:p>
             <a:pPr lvl="1"/>
             <a:r>
-              <a:rPr lang="en-US" smtClean="0"/>
+              <a:rPr lang="en-US"/>
               <a:t>Second level</a:t>
             </a:r>
           </a:p>
           <a:p>
             <a:pPr lvl="2"/>
             <a:r>
-              <a:rPr lang="en-US" smtClean="0"/>
+              <a:rPr lang="en-US"/>
               <a:t>Third level</a:t>
             </a:r>
           </a:p>
           <a:p>
             <a:pPr lvl="3"/>
             <a:r>
-              <a:rPr lang="en-US" smtClean="0"/>
+              <a:rPr lang="en-US"/>
               <a:t>Fourth level</a:t>
             </a:r>
           </a:p>
           <a:p>
             <a:pPr lvl="4"/>
             <a:r>
-              <a:rPr lang="en-US" smtClean="0"/>
+              <a:rPr lang="en-US"/>
               <a:t>Fifth level</a:t>
             </a:r>
             <a:endParaRPr lang="en-US" dirty="0"/>
@@ -3840,7 +3842,7 @@
           <a:p>
             <a:fld id="{D112F1FF-A02F-474F-A9E6-BF89D15A9352}" type="datetimeFigureOut">
               <a:rPr lang="en-IN" smtClean="0"/>
-              <a:t>16-10-2018</a:t>
+              <a:t>20-10-2018</a:t>
             </a:fld>
             <a:endParaRPr lang="en-IN"/>
           </a:p>
@@ -3939,7 +3941,7 @@
           <a:lstStyle/>
           <a:p>
             <a:r>
-              <a:rPr lang="en-US" smtClean="0"/>
+              <a:rPr lang="en-US"/>
               <a:t>Click to edit Master title style</a:t>
             </a:r>
             <a:endParaRPr lang="en-US" dirty="0"/>
@@ -3963,7 +3965,7 @@
           <a:p>
             <a:fld id="{D112F1FF-A02F-474F-A9E6-BF89D15A9352}" type="datetimeFigureOut">
               <a:rPr lang="en-IN" smtClean="0"/>
-              <a:t>16-10-2018</a:t>
+              <a:t>20-10-2018</a:t>
             </a:fld>
             <a:endParaRPr lang="en-IN"/>
           </a:p>
@@ -4058,7 +4060,7 @@
           <a:p>
             <a:fld id="{D112F1FF-A02F-474F-A9E6-BF89D15A9352}" type="datetimeFigureOut">
               <a:rPr lang="en-IN" smtClean="0"/>
-              <a:t>16-10-2018</a:t>
+              <a:t>20-10-2018</a:t>
             </a:fld>
             <a:endParaRPr lang="en-IN"/>
           </a:p>
@@ -4163,7 +4165,7 @@
           </a:lstStyle>
           <a:p>
             <a:r>
-              <a:rPr lang="en-US" smtClean="0"/>
+              <a:rPr lang="en-US"/>
               <a:t>Click to edit Master title style</a:t>
             </a:r>
             <a:endParaRPr lang="en-US" dirty="0"/>
@@ -4194,35 +4196,35 @@
           <a:p>
             <a:pPr lvl="0"/>
             <a:r>
-              <a:rPr lang="en-US" smtClean="0"/>
+              <a:rPr lang="en-US"/>
               <a:t>Edit Master text styles</a:t>
             </a:r>
           </a:p>
           <a:p>
             <a:pPr lvl="1"/>
             <a:r>
-              <a:rPr lang="en-US" smtClean="0"/>
+              <a:rPr lang="en-US"/>
               <a:t>Second level</a:t>
             </a:r>
           </a:p>
           <a:p>
             <a:pPr lvl="2"/>
             <a:r>
-              <a:rPr lang="en-US" smtClean="0"/>
+              <a:rPr lang="en-US"/>
               <a:t>Third level</a:t>
             </a:r>
           </a:p>
           <a:p>
             <a:pPr lvl="3"/>
             <a:r>
-              <a:rPr lang="en-US" smtClean="0"/>
+              <a:rPr lang="en-US"/>
               <a:t>Fourth level</a:t>
             </a:r>
           </a:p>
           <a:p>
             <a:pPr lvl="4"/>
             <a:r>
-              <a:rPr lang="en-US" smtClean="0"/>
+              <a:rPr lang="en-US"/>
               <a:t>Fifth level</a:t>
             </a:r>
             <a:endParaRPr lang="en-US" dirty="0"/>
@@ -4290,7 +4292,7 @@
           <a:p>
             <a:pPr lvl="0"/>
             <a:r>
-              <a:rPr lang="en-US" smtClean="0"/>
+              <a:rPr lang="en-US"/>
               <a:t>Edit Master text styles</a:t>
             </a:r>
           </a:p>
@@ -4313,7 +4315,7 @@
           <a:p>
             <a:fld id="{D112F1FF-A02F-474F-A9E6-BF89D15A9352}" type="datetimeFigureOut">
               <a:rPr lang="en-IN" smtClean="0"/>
-              <a:t>16-10-2018</a:t>
+              <a:t>20-10-2018</a:t>
             </a:fld>
             <a:endParaRPr lang="en-IN"/>
           </a:p>
@@ -4418,7 +4420,7 @@
           </a:lstStyle>
           <a:p>
             <a:r>
-              <a:rPr lang="en-US" smtClean="0"/>
+              <a:rPr lang="en-US"/>
               <a:t>Click to edit Master title style</a:t>
             </a:r>
             <a:endParaRPr lang="en-US" dirty="0"/>
@@ -4485,7 +4487,7 @@
           </a:lstStyle>
           <a:p>
             <a:r>
-              <a:rPr lang="en-US" smtClean="0"/>
+              <a:rPr lang="en-US"/>
               <a:t>Click icon to add picture</a:t>
             </a:r>
             <a:endParaRPr lang="en-US" dirty="0"/>
@@ -4553,7 +4555,7 @@
           <a:p>
             <a:pPr lvl="0"/>
             <a:r>
-              <a:rPr lang="en-US" smtClean="0"/>
+              <a:rPr lang="en-US"/>
               <a:t>Edit Master text styles</a:t>
             </a:r>
           </a:p>
@@ -4576,7 +4578,7 @@
           <a:p>
             <a:fld id="{D112F1FF-A02F-474F-A9E6-BF89D15A9352}" type="datetimeFigureOut">
               <a:rPr lang="en-IN" smtClean="0"/>
-              <a:t>16-10-2018</a:t>
+              <a:t>20-10-2018</a:t>
             </a:fld>
             <a:endParaRPr lang="en-IN"/>
           </a:p>
@@ -5215,7 +5217,7 @@
           <a:lstStyle/>
           <a:p>
             <a:r>
-              <a:rPr lang="en-US" smtClean="0"/>
+              <a:rPr lang="en-US"/>
               <a:t>Click to edit Master title style</a:t>
             </a:r>
             <a:endParaRPr lang="en-US" dirty="0"/>
@@ -5249,35 +5251,35 @@
           <a:p>
             <a:pPr lvl="0"/>
             <a:r>
-              <a:rPr lang="en-US" smtClean="0"/>
+              <a:rPr lang="en-US"/>
               <a:t>Edit Master text styles</a:t>
             </a:r>
           </a:p>
           <a:p>
             <a:pPr lvl="1"/>
             <a:r>
-              <a:rPr lang="en-US" smtClean="0"/>
+              <a:rPr lang="en-US"/>
               <a:t>Second level</a:t>
             </a:r>
           </a:p>
           <a:p>
             <a:pPr lvl="2"/>
             <a:r>
-              <a:rPr lang="en-US" smtClean="0"/>
+              <a:rPr lang="en-US"/>
               <a:t>Third level</a:t>
             </a:r>
           </a:p>
           <a:p>
             <a:pPr lvl="3"/>
             <a:r>
-              <a:rPr lang="en-US" smtClean="0"/>
+              <a:rPr lang="en-US"/>
               <a:t>Fourth level</a:t>
             </a:r>
           </a:p>
           <a:p>
             <a:pPr lvl="4"/>
             <a:r>
-              <a:rPr lang="en-US" smtClean="0"/>
+              <a:rPr lang="en-US"/>
               <a:t>Fifth level</a:t>
             </a:r>
             <a:endParaRPr lang="en-US" dirty="0"/>
@@ -5319,7 +5321,7 @@
           <a:p>
             <a:fld id="{D112F1FF-A02F-474F-A9E6-BF89D15A9352}" type="datetimeFigureOut">
               <a:rPr lang="en-IN" smtClean="0"/>
-              <a:t>16-10-2018</a:t>
+              <a:t>20-10-2018</a:t>
             </a:fld>
             <a:endParaRPr lang="en-IN"/>
           </a:p>
@@ -5845,80 +5847,117 @@
       </p:grpSpPr>
       <p:sp>
         <p:nvSpPr>
-          <p:cNvPr id="2" name="Title 1"/>
-          <p:cNvSpPr>
-            <a:spLocks noGrp="1"/>
-          </p:cNvSpPr>
-          <p:nvPr>
-            <p:ph type="ctrTitle"/>
-          </p:nvPr>
-        </p:nvSpPr>
-        <p:spPr>
-          <a:xfrm>
-            <a:off x="-121920" y="1827757"/>
-            <a:ext cx="9144000" cy="628060"/>
-          </a:xfrm>
-        </p:spPr>
-        <p:txBody>
-          <a:bodyPr>
-            <a:normAutofit fontScale="90000"/>
-          </a:bodyPr>
+          <p:cNvPr id="2" name="Title 1">
+            <a:extLst>
+              <a:ext uri="{FF2B5EF4-FFF2-40B4-BE49-F238E27FC236}">
+                <a16:creationId xmlns:a16="http://schemas.microsoft.com/office/drawing/2014/main" id="{44FCBA9F-0B38-4AF0-B3B8-218EB31091C2}"/>
+              </a:ext>
+            </a:extLst>
+          </p:cNvPr>
+          <p:cNvSpPr>
+            <a:spLocks noGrp="1"/>
+          </p:cNvSpPr>
+          <p:nvPr>
+            <p:ph type="title"/>
+          </p:nvPr>
+        </p:nvSpPr>
+        <p:spPr/>
+        <p:txBody>
+          <a:bodyPr/>
           <a:lstStyle/>
           <a:p>
             <a:r>
-              <a:rPr lang="en-US" dirty="0" smtClean="0">
-                <a:solidFill>
-                  <a:schemeClr val="tx1">
-                    <a:lumMod val="75000"/>
-                    <a:lumOff val="25000"/>
-                  </a:schemeClr>
-                </a:solidFill>
-              </a:rPr>
-              <a:t>The spirit of life: </a:t>
-            </a:r>
-            <a:r>
-              <a:rPr lang="en-US" dirty="0" smtClean="0">
-                <a:solidFill>
-                  <a:schemeClr val="tx1">
-                    <a:lumMod val="75000"/>
-                    <a:lumOff val="25000"/>
-                  </a:schemeClr>
-                </a:solidFill>
-              </a:rPr>
-              <a:t>Delivering </a:t>
-            </a:r>
-            <a:r>
-              <a:rPr lang="en-US" dirty="0" smtClean="0">
-                <a:solidFill>
-                  <a:schemeClr val="tx1">
-                    <a:lumMod val="75000"/>
-                    <a:lumOff val="25000"/>
-                  </a:schemeClr>
-                </a:solidFill>
-              </a:rPr>
-              <a:t>from the law of sin and death</a:t>
+              <a:rPr lang="en-US" dirty="0"/>
+              <a:t>           The Bible  Mission</a:t>
+            </a:r>
+            <a:br>
+              <a:rPr lang="en-US" dirty="0"/>
+            </a:br>
+            <a:r>
+              <a:rPr lang="en-US" dirty="0"/>
+              <a:t>The Revelation of </a:t>
             </a:r>
             <a:r>
               <a:rPr lang="en-US" dirty="0" smtClean="0"/>
-              <a:t/>
-            </a:r>
-            <a:br>
-              <a:rPr lang="en-US" dirty="0" smtClean="0"/>
-            </a:br>
-            <a:endParaRPr lang="en-IN" dirty="0"/>
+              <a:t>God </a:t>
+            </a:r>
+            <a:r>
+              <a:rPr lang="en-US" dirty="0"/>
+              <a:t>to St. M. </a:t>
+            </a:r>
+            <a:r>
+              <a:rPr lang="en-US" dirty="0" err="1"/>
+              <a:t>Devadas</a:t>
+            </a:r>
+            <a:endParaRPr lang="en-US" dirty="0"/>
           </a:p>
         </p:txBody>
       </p:sp>
       <p:pic>
         <p:nvPicPr>
-          <p:cNvPr id="5" name="Picture 4"/>
+          <p:cNvPr id="1026" name="Picture 2" descr="Image result for bible mission">
+            <a:extLst>
+              <a:ext uri="{FF2B5EF4-FFF2-40B4-BE49-F238E27FC236}">
+                <a16:creationId xmlns:a16="http://schemas.microsoft.com/office/drawing/2014/main" id="{27FF0D2B-A6B6-4F64-96C9-CA1C059C86B6}"/>
+              </a:ext>
+            </a:extLst>
+          </p:cNvPr>
+          <p:cNvPicPr>
+            <a:picLocks noGrp="1" noChangeAspect="1" noChangeArrowheads="1"/>
+          </p:cNvPicPr>
+          <p:nvPr>
+            <p:ph idx="1"/>
+          </p:nvPr>
+        </p:nvPicPr>
+        <p:blipFill>
+          <a:blip r:embed="rId2">
+            <a:extLst>
+              <a:ext uri="{28A0092B-C50C-407E-A947-70E740481C1C}">
+                <a14:useLocalDpi xmlns:a14="http://schemas.microsoft.com/office/drawing/2010/main" val="0"/>
+              </a:ext>
+            </a:extLst>
+          </a:blip>
+          <a:srcRect/>
+          <a:stretch>
+            <a:fillRect/>
+          </a:stretch>
+        </p:blipFill>
+        <p:spPr bwMode="auto">
+          <a:xfrm>
+            <a:off x="5358998" y="2784476"/>
+            <a:ext cx="4151417" cy="2523794"/>
+          </a:xfrm>
+          <a:prstGeom prst="rect">
+            <a:avLst/>
+          </a:prstGeom>
+          <a:noFill/>
+          <a:extLst>
+            <a:ext uri="{909E8E84-426E-40DD-AFC4-6F175D3DCCD1}">
+              <a14:hiddenFill xmlns:a14="http://schemas.microsoft.com/office/drawing/2010/main">
+                <a:solidFill>
+                  <a:srgbClr val="FFFFFF"/>
+                </a:solidFill>
+              </a14:hiddenFill>
+            </a:ext>
+          </a:extLst>
+        </p:spPr>
+      </p:pic>
+      <p:pic>
+        <p:nvPicPr>
+          <p:cNvPr id="7" name="Picture 6">
+            <a:extLst>
+              <a:ext uri="{FF2B5EF4-FFF2-40B4-BE49-F238E27FC236}">
+                <a16:creationId xmlns:a16="http://schemas.microsoft.com/office/drawing/2014/main" id="{28CD3EB6-0D17-45C1-BEA6-89519F458CE2}"/>
+              </a:ext>
+            </a:extLst>
+          </p:cNvPr>
           <p:cNvPicPr>
             <a:picLocks noChangeAspect="1"/>
           </p:cNvPicPr>
           <p:nvPr/>
         </p:nvPicPr>
         <p:blipFill>
-          <a:blip r:embed="rId2">
+          <a:blip r:embed="rId3" cstate="print">
             <a:extLst>
               <a:ext uri="{28A0092B-C50C-407E-A947-70E740481C1C}">
                 <a14:useLocalDpi xmlns:a14="http://schemas.microsoft.com/office/drawing/2010/main" val="0"/>
@@ -5931,8 +5970,8 @@
         </p:blipFill>
         <p:spPr>
           <a:xfrm>
-            <a:off x="2502489" y="2375691"/>
-            <a:ext cx="5500688" cy="4120206"/>
+            <a:off x="1535875" y="2363189"/>
+            <a:ext cx="3046454" cy="3428999"/>
           </a:xfrm>
           <a:prstGeom prst="rect">
             <a:avLst/>
@@ -5942,7 +5981,7 @@
     </p:spTree>
     <p:extLst>
       <p:ext uri="{BB962C8B-B14F-4D97-AF65-F5344CB8AC3E}">
-        <p14:creationId xmlns:p14="http://schemas.microsoft.com/office/powerpoint/2010/main" val="1299887663"/>
+        <p14:creationId xmlns:p14="http://schemas.microsoft.com/office/powerpoint/2010/main" val="2065274081"/>
       </p:ext>
     </p:extLst>
   </p:cSld>
@@ -5971,6 +6010,132 @@
       </p:grpSpPr>
       <p:sp>
         <p:nvSpPr>
+          <p:cNvPr id="2" name="Title 1"/>
+          <p:cNvSpPr>
+            <a:spLocks noGrp="1"/>
+          </p:cNvSpPr>
+          <p:nvPr>
+            <p:ph type="title"/>
+          </p:nvPr>
+        </p:nvSpPr>
+        <p:spPr>
+          <a:xfrm>
+            <a:off x="442202" y="313509"/>
+            <a:ext cx="8596668" cy="1320800"/>
+          </a:xfrm>
+        </p:spPr>
+        <p:txBody>
+          <a:bodyPr>
+            <a:normAutofit fontScale="90000"/>
+          </a:bodyPr>
+          <a:lstStyle/>
+          <a:p>
+            <a:r>
+              <a:rPr lang="en-US" dirty="0">
+                <a:solidFill>
+                  <a:schemeClr val="tx1">
+                    <a:lumMod val="85000"/>
+                    <a:lumOff val="15000"/>
+                  </a:schemeClr>
+                </a:solidFill>
+              </a:rPr>
+              <a:t>9.The Spirit of inheritance : To be the heirs of </a:t>
+            </a:r>
+            <a:r>
+              <a:rPr lang="en-US" dirty="0" smtClean="0">
+                <a:solidFill>
+                  <a:schemeClr val="tx1">
+                    <a:lumMod val="85000"/>
+                    <a:lumOff val="15000"/>
+                  </a:schemeClr>
+                </a:solidFill>
+              </a:rPr>
+              <a:t>God </a:t>
+            </a:r>
+            <a:r>
+              <a:rPr lang="en-US" dirty="0">
+                <a:solidFill>
+                  <a:schemeClr val="tx1">
+                    <a:lumMod val="85000"/>
+                    <a:lumOff val="15000"/>
+                  </a:schemeClr>
+                </a:solidFill>
+              </a:rPr>
+              <a:t>and to become the joint heirs with Christ (Rom 8:17)</a:t>
+            </a:r>
+            <a:endParaRPr lang="en-IN" dirty="0">
+              <a:solidFill>
+                <a:schemeClr val="tx1">
+                  <a:lumMod val="85000"/>
+                  <a:lumOff val="15000"/>
+                </a:schemeClr>
+              </a:solidFill>
+            </a:endParaRPr>
+          </a:p>
+        </p:txBody>
+      </p:sp>
+      <p:pic>
+        <p:nvPicPr>
+          <p:cNvPr id="4" name="Picture 3"/>
+          <p:cNvPicPr>
+            <a:picLocks noChangeAspect="1"/>
+          </p:cNvPicPr>
+          <p:nvPr/>
+        </p:nvPicPr>
+        <p:blipFill>
+          <a:blip r:embed="rId2">
+            <a:extLst>
+              <a:ext uri="{28A0092B-C50C-407E-A947-70E740481C1C}">
+                <a14:useLocalDpi xmlns:a14="http://schemas.microsoft.com/office/drawing/2010/main" val="0"/>
+              </a:ext>
+            </a:extLst>
+          </a:blip>
+          <a:stretch>
+            <a:fillRect/>
+          </a:stretch>
+        </p:blipFill>
+        <p:spPr>
+          <a:xfrm>
+            <a:off x="2186668" y="1992494"/>
+            <a:ext cx="6076950" cy="4562475"/>
+          </a:xfrm>
+          <a:prstGeom prst="rect">
+            <a:avLst/>
+          </a:prstGeom>
+        </p:spPr>
+      </p:pic>
+    </p:spTree>
+    <p:extLst>
+      <p:ext uri="{BB962C8B-B14F-4D97-AF65-F5344CB8AC3E}">
+        <p14:creationId xmlns:p14="http://schemas.microsoft.com/office/powerpoint/2010/main" val="1701061946"/>
+      </p:ext>
+    </p:extLst>
+  </p:cSld>
+  <p:clrMapOvr>
+    <a:masterClrMapping/>
+  </p:clrMapOvr>
+</p:sld>
+</file>
+
+<file path=ppt/slides/slide11.xml><?xml version="1.0" encoding="utf-8"?>
+<p:sld xmlns:a="http://schemas.openxmlformats.org/drawingml/2006/main" xmlns:r="http://schemas.openxmlformats.org/officeDocument/2006/relationships" xmlns:p="http://schemas.openxmlformats.org/presentationml/2006/main">
+  <p:cSld>
+    <p:spTree>
+      <p:nvGrpSpPr>
+        <p:cNvPr id="1" name=""/>
+        <p:cNvGrpSpPr/>
+        <p:nvPr/>
+      </p:nvGrpSpPr>
+      <p:grpSpPr>
+        <a:xfrm>
+          <a:off x="0" y="0"/>
+          <a:ext cx="0" cy="0"/>
+          <a:chOff x="0" y="0"/>
+          <a:chExt cx="0" cy="0"/>
+        </a:xfrm>
+      </p:grpSpPr>
+      <p:sp>
+        <p:nvSpPr>
           <p:cNvPr id="4" name="Title 3"/>
           <p:cNvSpPr>
             <a:spLocks noGrp="1"/>
@@ -5981,22 +6146,51 @@
         </p:nvSpPr>
         <p:spPr/>
         <p:txBody>
-          <a:bodyPr/>
+          <a:bodyPr>
+            <a:normAutofit fontScale="90000"/>
+          </a:bodyPr>
           <a:lstStyle/>
           <a:p>
             <a:r>
-              <a:rPr lang="en-US" dirty="0"/>
-              <a:t>The Spirit of suffering : To become the </a:t>
-            </a:r>
-            <a:r>
-              <a:rPr lang="en-US" dirty="0" err="1"/>
-              <a:t>Partekars</a:t>
-            </a:r>
-            <a:r>
-              <a:rPr lang="en-US" dirty="0"/>
-              <a:t> of chart</a:t>
-            </a:r>
-            <a:endParaRPr lang="en-IN" dirty="0"/>
+              <a:rPr lang="en-US" sz="3200" dirty="0">
+                <a:solidFill>
+                  <a:schemeClr val="tx1">
+                    <a:lumMod val="85000"/>
+                    <a:lumOff val="15000"/>
+                  </a:schemeClr>
+                </a:solidFill>
+              </a:rPr>
+              <a:t>10.The Spirit of suffering :</a:t>
+            </a:r>
+            <a:br>
+              <a:rPr lang="en-US" sz="3200" dirty="0">
+                <a:solidFill>
+                  <a:schemeClr val="tx1">
+                    <a:lumMod val="85000"/>
+                    <a:lumOff val="15000"/>
+                  </a:schemeClr>
+                </a:solidFill>
+              </a:rPr>
+            </a:br>
+            <a:r>
+              <a:rPr lang="en-US" sz="3200" dirty="0">
+                <a:solidFill>
+                  <a:schemeClr val="tx1">
+                    <a:lumMod val="85000"/>
+                    <a:lumOff val="15000"/>
+                  </a:schemeClr>
+                </a:solidFill>
+              </a:rPr>
+              <a:t>    To become the Partakers of chart (Rom 8:17)</a:t>
+            </a:r>
+            <a:endParaRPr lang="en-IN" sz="3200" dirty="0">
+              <a:solidFill>
+                <a:schemeClr val="tx1">
+                  <a:lumMod val="85000"/>
+                  <a:lumOff val="15000"/>
+                </a:schemeClr>
+              </a:solidFill>
+            </a:endParaRPr>
           </a:p>
         </p:txBody>
       </p:sp>
@@ -6043,97 +6237,6 @@
 </p:sld>
 </file>
 
-<file path=ppt/slides/slide11.xml><?xml version="1.0" encoding="utf-8"?>
-<p:sld xmlns:a="http://schemas.openxmlformats.org/drawingml/2006/main" xmlns:r="http://schemas.openxmlformats.org/officeDocument/2006/relationships" xmlns:p="http://schemas.openxmlformats.org/presentationml/2006/main">
-  <p:cSld>
-    <p:spTree>
-      <p:nvGrpSpPr>
-        <p:cNvPr id="1" name=""/>
-        <p:cNvGrpSpPr/>
-        <p:nvPr/>
-      </p:nvGrpSpPr>
-      <p:grpSpPr>
-        <a:xfrm>
-          <a:off x="0" y="0"/>
-          <a:ext cx="0" cy="0"/>
-          <a:chOff x="0" y="0"/>
-          <a:chExt cx="0" cy="0"/>
-        </a:xfrm>
-      </p:grpSpPr>
-      <p:sp>
-        <p:nvSpPr>
-          <p:cNvPr id="2" name="Title 1"/>
-          <p:cNvSpPr>
-            <a:spLocks noGrp="1"/>
-          </p:cNvSpPr>
-          <p:nvPr>
-            <p:ph type="title"/>
-          </p:nvPr>
-        </p:nvSpPr>
-        <p:spPr/>
-        <p:txBody>
-          <a:bodyPr/>
-          <a:lstStyle/>
-          <a:p>
-            <a:r>
-              <a:rPr lang="en-US" dirty="0"/>
-              <a:t>The spirit of </a:t>
-            </a:r>
-            <a:r>
-              <a:rPr lang="en-US" dirty="0" smtClean="0"/>
-              <a:t>glorification: </a:t>
-            </a:r>
-            <a:r>
-              <a:rPr lang="en-US" dirty="0"/>
-              <a:t>for example tolerance</a:t>
-            </a:r>
-            <a:endParaRPr lang="en-IN" dirty="0"/>
-          </a:p>
-        </p:txBody>
-      </p:sp>
-      <p:pic>
-        <p:nvPicPr>
-          <p:cNvPr id="3" name="Picture 2"/>
-          <p:cNvPicPr>
-            <a:picLocks noChangeAspect="1"/>
-          </p:cNvPicPr>
-          <p:nvPr/>
-        </p:nvPicPr>
-        <p:blipFill>
-          <a:blip r:embed="rId2">
-            <a:extLst>
-              <a:ext uri="{28A0092B-C50C-407E-A947-70E740481C1C}">
-                <a14:useLocalDpi xmlns:a14="http://schemas.microsoft.com/office/drawing/2010/main" val="0"/>
-              </a:ext>
-            </a:extLst>
-          </a:blip>
-          <a:stretch>
-            <a:fillRect/>
-          </a:stretch>
-        </p:blipFill>
-        <p:spPr>
-          <a:xfrm>
-            <a:off x="1654627" y="2026195"/>
-            <a:ext cx="6331132" cy="4461691"/>
-          </a:xfrm>
-          <a:prstGeom prst="rect">
-            <a:avLst/>
-          </a:prstGeom>
-        </p:spPr>
-      </p:pic>
-    </p:spTree>
-    <p:extLst>
-      <p:ext uri="{BB962C8B-B14F-4D97-AF65-F5344CB8AC3E}">
-        <p14:creationId xmlns:p14="http://schemas.microsoft.com/office/powerpoint/2010/main" val="828719546"/>
-      </p:ext>
-    </p:extLst>
-  </p:cSld>
-  <p:clrMapOvr>
-    <a:masterClrMapping/>
-  </p:clrMapOvr>
-</p:sld>
-</file>
-
 <file path=ppt/slides/slide12.xml><?xml version="1.0" encoding="utf-8"?>
 <p:sld xmlns:a="http://schemas.openxmlformats.org/drawingml/2006/main" xmlns:r="http://schemas.openxmlformats.org/officeDocument/2006/relationships" xmlns:p="http://schemas.openxmlformats.org/presentationml/2006/main">
   <p:cSld>
@@ -6153,7 +6256,13 @@
       </p:grpSpPr>
       <p:sp>
         <p:nvSpPr>
-          <p:cNvPr id="2" name="Title 1"/>
+          <p:cNvPr id="2" name="Title 1">
+            <a:extLst>
+              <a:ext uri="{FF2B5EF4-FFF2-40B4-BE49-F238E27FC236}">
+                <a16:creationId xmlns:a16="http://schemas.microsoft.com/office/drawing/2014/main" id="{05F7B21C-4658-4CB8-B978-1591FEDFF04B}"/>
+              </a:ext>
+            </a:extLst>
+          </p:cNvPr>
           <p:cNvSpPr>
             <a:spLocks noGrp="1"/>
           </p:cNvSpPr>
@@ -6163,28 +6272,98 @@
         </p:nvSpPr>
         <p:spPr/>
         <p:txBody>
-          <a:bodyPr/>
+          <a:bodyPr>
+            <a:normAutofit fontScale="90000"/>
+          </a:bodyPr>
           <a:lstStyle/>
           <a:p>
             <a:r>
-              <a:rPr lang="en-US" dirty="0"/>
-              <a:t>The spirit of liberty: for the </a:t>
-            </a:r>
-            <a:r>
-              <a:rPr lang="en-US" dirty="0" err="1"/>
-              <a:t>revelary</a:t>
-            </a:r>
-            <a:r>
-              <a:rPr lang="en-US" dirty="0"/>
-              <a:t> of the sons of the god</a:t>
-            </a:r>
-            <a:endParaRPr lang="en-IN" dirty="0"/>
+              <a:rPr lang="en-US" sz="3200" dirty="0">
+                <a:solidFill>
+                  <a:schemeClr val="tx1">
+                    <a:lumMod val="85000"/>
+                    <a:lumOff val="15000"/>
+                  </a:schemeClr>
+                </a:solidFill>
+              </a:rPr>
+              <a:t>11.The spirit of liberty: </a:t>
+            </a:r>
+            <a:br>
+              <a:rPr lang="en-US" sz="3200" dirty="0">
+                <a:solidFill>
+                  <a:schemeClr val="tx1">
+                    <a:lumMod val="85000"/>
+                    <a:lumOff val="15000"/>
+                  </a:schemeClr>
+                </a:solidFill>
+              </a:rPr>
+            </a:br>
+            <a:r>
+              <a:rPr lang="en-US" sz="3200" dirty="0">
+                <a:solidFill>
+                  <a:schemeClr val="tx1">
+                    <a:lumMod val="85000"/>
+                    <a:lumOff val="15000"/>
+                  </a:schemeClr>
+                </a:solidFill>
+              </a:rPr>
+              <a:t>For the revealing of the sons of the </a:t>
+            </a:r>
+            <a:r>
+              <a:rPr lang="en-US" sz="3200" dirty="0" smtClean="0">
+                <a:solidFill>
+                  <a:schemeClr val="tx1">
+                    <a:lumMod val="85000"/>
+                    <a:lumOff val="15000"/>
+                  </a:schemeClr>
+                </a:solidFill>
+              </a:rPr>
+              <a:t>God</a:t>
+            </a:r>
+            <a:r>
+              <a:rPr lang="en-US" sz="3200" dirty="0">
+                <a:solidFill>
+                  <a:schemeClr val="tx1">
+                    <a:lumMod val="85000"/>
+                    <a:lumOff val="15000"/>
+                  </a:schemeClr>
+                </a:solidFill>
+              </a:rPr>
+              <a:t/>
+            </a:r>
+            <a:br>
+              <a:rPr lang="en-US" sz="3200" dirty="0">
+                <a:solidFill>
+                  <a:schemeClr val="tx1">
+                    <a:lumMod val="85000"/>
+                    <a:lumOff val="15000"/>
+                  </a:schemeClr>
+                </a:solidFill>
+              </a:rPr>
+            </a:br>
+            <a:r>
+              <a:rPr lang="en-US" sz="3200" dirty="0">
+                <a:solidFill>
+                  <a:schemeClr val="tx1">
+                    <a:lumMod val="85000"/>
+                    <a:lumOff val="15000"/>
+                  </a:schemeClr>
+                </a:solidFill>
+              </a:rPr>
+              <a:t>(II Cor 3:17, Rom 8:21)</a:t>
+            </a:r>
           </a:p>
         </p:txBody>
       </p:sp>
       <p:pic>
         <p:nvPicPr>
-          <p:cNvPr id="3" name="Picture 2"/>
+          <p:cNvPr id="4" name="Picture 3">
+            <a:extLst>
+              <a:ext uri="{FF2B5EF4-FFF2-40B4-BE49-F238E27FC236}">
+                <a16:creationId xmlns:a16="http://schemas.microsoft.com/office/drawing/2014/main" id="{A29F9618-1B7D-4C49-875E-D81613EB59B2}"/>
+              </a:ext>
+            </a:extLst>
+          </p:cNvPr>
           <p:cNvPicPr>
             <a:picLocks noChangeAspect="1"/>
           </p:cNvPicPr>
@@ -6215,7 +6394,7 @@
     </p:spTree>
     <p:extLst>
       <p:ext uri="{BB962C8B-B14F-4D97-AF65-F5344CB8AC3E}">
-        <p14:creationId xmlns:p14="http://schemas.microsoft.com/office/powerpoint/2010/main" val="3946774905"/>
+        <p14:creationId xmlns:p14="http://schemas.microsoft.com/office/powerpoint/2010/main" val="809039825"/>
       </p:ext>
     </p:extLst>
   </p:cSld>
@@ -6252,7 +6431,12 @@
             <p:ph type="title"/>
           </p:nvPr>
         </p:nvSpPr>
-        <p:spPr/>
+        <p:spPr>
+          <a:xfrm>
+            <a:off x="653143" y="609600"/>
+            <a:ext cx="8620859" cy="1563584"/>
+          </a:xfrm>
+        </p:spPr>
         <p:txBody>
           <a:bodyPr>
             <a:normAutofit fontScale="90000"/>
@@ -6260,33 +6444,88 @@
           <a:lstStyle/>
           <a:p>
             <a:r>
-              <a:rPr lang="en-US" dirty="0"/>
-              <a:t>The Spirit of birth </a:t>
-            </a:r>
-            <a:r>
-              <a:rPr lang="en-US" dirty="0" smtClean="0"/>
-              <a:t>parry's </a:t>
-            </a:r>
-            <a:r>
-              <a:rPr lang="en-US" dirty="0"/>
-              <a:t>: to be </a:t>
-            </a:r>
-            <a:r>
-              <a:rPr lang="en-US" dirty="0" smtClean="0"/>
-              <a:t>delivered </a:t>
-            </a:r>
-            <a:r>
-              <a:rPr lang="en-US" dirty="0"/>
-              <a:t>from the bondage of corruption</a:t>
+              <a:rPr lang="en-US" dirty="0">
+                <a:solidFill>
+                  <a:schemeClr val="tx1">
+                    <a:lumMod val="85000"/>
+                    <a:lumOff val="15000"/>
+                  </a:schemeClr>
+                </a:solidFill>
+              </a:rPr>
+              <a:t>12.The Spirit of birth </a:t>
+            </a:r>
+            <a:r>
+              <a:rPr lang="en-US" dirty="0" smtClean="0">
+                <a:solidFill>
+                  <a:schemeClr val="tx1">
+                    <a:lumMod val="85000"/>
+                    <a:lumOff val="15000"/>
+                  </a:schemeClr>
+                </a:solidFill>
+              </a:rPr>
+              <a:t>pang's </a:t>
+            </a:r>
+            <a:r>
+              <a:rPr lang="en-US" dirty="0">
+                <a:solidFill>
+                  <a:schemeClr val="tx1">
+                    <a:lumMod val="85000"/>
+                    <a:lumOff val="15000"/>
+                  </a:schemeClr>
+                </a:solidFill>
+              </a:rPr>
+              <a:t>: </a:t>
             </a:r>
             <a:br>
-              <a:rPr lang="en-US" dirty="0"/>
+              <a:rPr lang="en-US" dirty="0">
+                <a:solidFill>
+                  <a:schemeClr val="tx1">
+                    <a:lumMod val="85000"/>
+                    <a:lumOff val="15000"/>
+                  </a:schemeClr>
+                </a:solidFill>
+              </a:rPr>
             </a:br>
             <a:r>
-              <a:rPr lang="en-US" dirty="0"/>
-              <a:t>          Rom 8:26,22</a:t>
-            </a:r>
-            <a:endParaRPr lang="en-IN" dirty="0"/>
+              <a:rPr lang="en-US" dirty="0">
+                <a:solidFill>
+                  <a:schemeClr val="tx1">
+                    <a:lumMod val="85000"/>
+                    <a:lumOff val="15000"/>
+                  </a:schemeClr>
+                </a:solidFill>
+              </a:rPr>
+              <a:t>       To be delivered from the bondage of         corruption Rom 8:26,22</a:t>
+            </a:r>
+            <a:br>
+              <a:rPr lang="en-US" dirty="0">
+                <a:solidFill>
+                  <a:schemeClr val="tx1">
+                    <a:lumMod val="85000"/>
+                    <a:lumOff val="15000"/>
+                  </a:schemeClr>
+                </a:solidFill>
+              </a:rPr>
+            </a:br>
+            <a:r>
+              <a:rPr lang="en-US" dirty="0">
+                <a:solidFill>
+                  <a:schemeClr val="tx1">
+                    <a:lumMod val="85000"/>
+                    <a:lumOff val="15000"/>
+                  </a:schemeClr>
+                </a:solidFill>
+              </a:rPr>
+              <a:t>                </a:t>
+            </a:r>
+            <a:endParaRPr lang="en-IN" dirty="0">
+              <a:solidFill>
+                <a:schemeClr val="tx1">
+                  <a:lumMod val="85000"/>
+                  <a:lumOff val="15000"/>
+                </a:schemeClr>
+              </a:solidFill>
+            </a:endParaRPr>
           </a:p>
         </p:txBody>
       </p:sp>
@@ -6368,34 +6607,78 @@
           <a:lstStyle/>
           <a:p>
             <a:r>
-              <a:rPr lang="en-US" dirty="0"/>
-              <a:t>The spirit of </a:t>
-            </a:r>
-            <a:r>
-              <a:rPr lang="en-US" dirty="0" smtClean="0"/>
-              <a:t>first fruits</a:t>
-            </a:r>
-            <a:r>
-              <a:rPr lang="en-US" dirty="0"/>
-              <a:t>: to </a:t>
-            </a:r>
-            <a:r>
-              <a:rPr lang="en-US" dirty="0" smtClean="0"/>
-              <a:t>groom </a:t>
-            </a:r>
-            <a:r>
-              <a:rPr lang="en-US" dirty="0"/>
-              <a:t>within </a:t>
-            </a:r>
-            <a:r>
-              <a:rPr lang="en-US" dirty="0" smtClean="0"/>
-              <a:t>clarifies Rom </a:t>
-            </a:r>
-            <a:r>
-              <a:rPr lang="en-US" dirty="0"/>
-              <a:t>8,23</a:t>
-            </a:r>
-            <a:endParaRPr lang="en-IN" dirty="0"/>
+              <a:rPr lang="en-US" sz="3200" dirty="0">
+                <a:solidFill>
+                  <a:schemeClr val="tx1">
+                    <a:lumMod val="85000"/>
+                    <a:lumOff val="15000"/>
+                  </a:schemeClr>
+                </a:solidFill>
+              </a:rPr>
+              <a:t>13.The spirit of first fruits:  </a:t>
+            </a:r>
+            <a:br>
+              <a:rPr lang="en-US" sz="3200" dirty="0">
+                <a:solidFill>
+                  <a:schemeClr val="tx1">
+                    <a:lumMod val="85000"/>
+                    <a:lumOff val="15000"/>
+                  </a:schemeClr>
+                </a:solidFill>
+              </a:rPr>
+            </a:br>
+            <a:r>
+              <a:rPr lang="en-US" sz="3200" dirty="0">
+                <a:solidFill>
+                  <a:schemeClr val="tx1">
+                    <a:lumMod val="85000"/>
+                    <a:lumOff val="15000"/>
+                  </a:schemeClr>
+                </a:solidFill>
+              </a:rPr>
+              <a:t>        To groom within </a:t>
+            </a:r>
+            <a:r>
+              <a:rPr lang="en-US" sz="3200" dirty="0" smtClean="0">
+                <a:solidFill>
+                  <a:schemeClr val="tx1">
+                    <a:lumMod val="85000"/>
+                    <a:lumOff val="15000"/>
+                  </a:schemeClr>
+                </a:solidFill>
+              </a:rPr>
+              <a:t>satisfie</a:t>
+            </a:r>
+            <a:r>
+              <a:rPr lang="en-US" sz="3200" dirty="0" smtClean="0">
+                <a:solidFill>
+                  <a:schemeClr val="tx1">
+                    <a:lumMod val="85000"/>
+                    <a:lumOff val="15000"/>
+                  </a:schemeClr>
+                </a:solidFill>
+              </a:rPr>
+              <a:t>s </a:t>
+            </a:r>
+            <a:r>
+              <a:rPr lang="en-US" sz="3200" dirty="0">
+                <a:solidFill>
+                  <a:schemeClr val="tx1">
+                    <a:lumMod val="85000"/>
+                    <a:lumOff val="15000"/>
+                  </a:schemeClr>
+                </a:solidFill>
+              </a:rPr>
+              <a:t>(Rom 8:23)</a:t>
+            </a:r>
+            <a:endParaRPr lang="en-IN" sz="3200" dirty="0">
+              <a:solidFill>
+                <a:schemeClr val="tx1">
+                  <a:lumMod val="85000"/>
+                  <a:lumOff val="15000"/>
+                </a:schemeClr>
+              </a:solidFill>
+            </a:endParaRPr>
           </a:p>
         </p:txBody>
       </p:sp>
@@ -6471,14 +6754,193 @@
         </p:nvSpPr>
         <p:spPr/>
         <p:txBody>
-          <a:bodyPr/>
+          <a:bodyPr>
+            <a:normAutofit fontScale="90000"/>
+          </a:bodyPr>
           <a:lstStyle/>
           <a:p>
             <a:r>
-              <a:rPr lang="en-US" dirty="0"/>
-              <a:t>The spirit of transformation : for the redemption of the body</a:t>
-            </a:r>
-            <a:endParaRPr lang="en-IN" dirty="0"/>
+              <a:rPr lang="en-US" sz="3200" dirty="0">
+                <a:solidFill>
+                  <a:schemeClr val="tx1">
+                    <a:lumMod val="85000"/>
+                    <a:lumOff val="15000"/>
+                  </a:schemeClr>
+                </a:solidFill>
+              </a:rPr>
+              <a:t>14.The spirit of glorification: </a:t>
+            </a:r>
+            <a:br>
+              <a:rPr lang="en-US" sz="3200" dirty="0">
+                <a:solidFill>
+                  <a:schemeClr val="tx1">
+                    <a:lumMod val="85000"/>
+                    <a:lumOff val="15000"/>
+                  </a:schemeClr>
+                </a:solidFill>
+              </a:rPr>
+            </a:br>
+            <a:r>
+              <a:rPr lang="en-US" sz="3200" dirty="0">
+                <a:solidFill>
+                  <a:schemeClr val="tx1">
+                    <a:lumMod val="85000"/>
+                    <a:lumOff val="15000"/>
+                  </a:schemeClr>
+                </a:solidFill>
+              </a:rPr>
+              <a:t>    For example </a:t>
+            </a:r>
+            <a:r>
+              <a:rPr lang="en-US" sz="3200" dirty="0" smtClean="0">
+                <a:solidFill>
+                  <a:schemeClr val="tx1">
+                    <a:lumMod val="85000"/>
+                    <a:lumOff val="15000"/>
+                  </a:schemeClr>
+                </a:solidFill>
+              </a:rPr>
+              <a:t>just Tolerance </a:t>
+            </a:r>
+            <a:r>
+              <a:rPr lang="en-US" sz="3200" dirty="0">
+                <a:solidFill>
+                  <a:schemeClr val="tx1">
+                    <a:lumMod val="85000"/>
+                    <a:lumOff val="15000"/>
+                  </a:schemeClr>
+                </a:solidFill>
+              </a:rPr>
+              <a:t>(I Peter 4:14 , Rom 8:17)</a:t>
+            </a:r>
+            <a:endParaRPr lang="en-IN" sz="3200" dirty="0">
+              <a:solidFill>
+                <a:schemeClr val="tx1">
+                  <a:lumMod val="85000"/>
+                  <a:lumOff val="15000"/>
+                </a:schemeClr>
+              </a:solidFill>
+            </a:endParaRPr>
+          </a:p>
+        </p:txBody>
+      </p:sp>
+      <p:pic>
+        <p:nvPicPr>
+          <p:cNvPr id="3" name="Picture 2"/>
+          <p:cNvPicPr>
+            <a:picLocks noChangeAspect="1"/>
+          </p:cNvPicPr>
+          <p:nvPr/>
+        </p:nvPicPr>
+        <p:blipFill>
+          <a:blip r:embed="rId2">
+            <a:extLst>
+              <a:ext uri="{28A0092B-C50C-407E-A947-70E740481C1C}">
+                <a14:useLocalDpi xmlns:a14="http://schemas.microsoft.com/office/drawing/2010/main" val="0"/>
+              </a:ext>
+            </a:extLst>
+          </a:blip>
+          <a:stretch>
+            <a:fillRect/>
+          </a:stretch>
+        </p:blipFill>
+        <p:spPr>
+          <a:xfrm>
+            <a:off x="1654627" y="2026195"/>
+            <a:ext cx="6331132" cy="4461691"/>
+          </a:xfrm>
+          <a:prstGeom prst="rect">
+            <a:avLst/>
+          </a:prstGeom>
+        </p:spPr>
+      </p:pic>
+    </p:spTree>
+    <p:extLst>
+      <p:ext uri="{BB962C8B-B14F-4D97-AF65-F5344CB8AC3E}">
+        <p14:creationId xmlns:p14="http://schemas.microsoft.com/office/powerpoint/2010/main" val="325700870"/>
+      </p:ext>
+    </p:extLst>
+  </p:cSld>
+  <p:clrMapOvr>
+    <a:masterClrMapping/>
+  </p:clrMapOvr>
+</p:sld>
+</file>
+
+<file path=ppt/slides/slide16.xml><?xml version="1.0" encoding="utf-8"?>
+<p:sld xmlns:a="http://schemas.openxmlformats.org/drawingml/2006/main" xmlns:r="http://schemas.openxmlformats.org/officeDocument/2006/relationships" xmlns:p="http://schemas.openxmlformats.org/presentationml/2006/main">
+  <p:cSld>
+    <p:spTree>
+      <p:nvGrpSpPr>
+        <p:cNvPr id="1" name=""/>
+        <p:cNvGrpSpPr/>
+        <p:nvPr/>
+      </p:nvGrpSpPr>
+      <p:grpSpPr>
+        <a:xfrm>
+          <a:off x="0" y="0"/>
+          <a:ext cx="0" cy="0"/>
+          <a:chOff x="0" y="0"/>
+          <a:chExt cx="0" cy="0"/>
+        </a:xfrm>
+      </p:grpSpPr>
+      <p:sp>
+        <p:nvSpPr>
+          <p:cNvPr id="2" name="Title 1"/>
+          <p:cNvSpPr>
+            <a:spLocks noGrp="1"/>
+          </p:cNvSpPr>
+          <p:nvPr>
+            <p:ph type="title"/>
+          </p:nvPr>
+        </p:nvSpPr>
+        <p:spPr/>
+        <p:txBody>
+          <a:bodyPr>
+            <a:normAutofit/>
+          </a:bodyPr>
+          <a:lstStyle/>
+          <a:p>
+            <a:r>
+              <a:rPr lang="en-US" sz="3200" dirty="0">
+                <a:solidFill>
+                  <a:schemeClr val="tx1">
+                    <a:lumMod val="85000"/>
+                    <a:lumOff val="15000"/>
+                  </a:schemeClr>
+                </a:solidFill>
+              </a:rPr>
+              <a:t>The spirit of transformation : </a:t>
+            </a:r>
+            <a:br>
+              <a:rPr lang="en-US" sz="3200" dirty="0">
+                <a:solidFill>
+                  <a:schemeClr val="tx1">
+                    <a:lumMod val="85000"/>
+                    <a:lumOff val="15000"/>
+                  </a:schemeClr>
+                </a:solidFill>
+              </a:rPr>
+            </a:br>
+            <a:r>
+              <a:rPr lang="en-US" sz="3200" dirty="0">
+                <a:solidFill>
+                  <a:schemeClr val="tx1">
+                    <a:lumMod val="85000"/>
+                    <a:lumOff val="15000"/>
+                  </a:schemeClr>
+                </a:solidFill>
+              </a:rPr>
+              <a:t>   For the redemption of the body</a:t>
+            </a:r>
+            <a:endParaRPr lang="en-IN" sz="3200" dirty="0">
+              <a:solidFill>
+                <a:schemeClr val="tx1">
+                  <a:lumMod val="85000"/>
+                  <a:lumOff val="15000"/>
+                </a:schemeClr>
+              </a:solidFill>
+            </a:endParaRPr>
           </a:p>
         </p:txBody>
       </p:sp>
@@ -6525,6 +6987,188 @@
 </p:sld>
 </file>
 
+<file path=ppt/slides/slide17.xml><?xml version="1.0" encoding="utf-8"?>
+<p:sld xmlns:a="http://schemas.openxmlformats.org/drawingml/2006/main" xmlns:r="http://schemas.openxmlformats.org/officeDocument/2006/relationships" xmlns:p="http://schemas.openxmlformats.org/presentationml/2006/main">
+  <p:cSld>
+    <p:spTree>
+      <p:nvGrpSpPr>
+        <p:cNvPr id="1" name=""/>
+        <p:cNvGrpSpPr/>
+        <p:nvPr/>
+      </p:nvGrpSpPr>
+      <p:grpSpPr>
+        <a:xfrm>
+          <a:off x="0" y="0"/>
+          <a:ext cx="0" cy="0"/>
+          <a:chOff x="0" y="0"/>
+          <a:chExt cx="0" cy="0"/>
+        </a:xfrm>
+      </p:grpSpPr>
+      <p:sp>
+        <p:nvSpPr>
+          <p:cNvPr id="2" name="Title 1">
+            <a:extLst>
+              <a:ext uri="{FF2B5EF4-FFF2-40B4-BE49-F238E27FC236}">
+                <a16:creationId xmlns:a16="http://schemas.microsoft.com/office/drawing/2014/main" id="{64B9FA6A-40D8-45BD-95B1-0967DB70B351}"/>
+              </a:ext>
+            </a:extLst>
+          </p:cNvPr>
+          <p:cNvSpPr>
+            <a:spLocks noGrp="1"/>
+          </p:cNvSpPr>
+          <p:nvPr>
+            <p:ph type="title"/>
+          </p:nvPr>
+        </p:nvSpPr>
+        <p:spPr/>
+        <p:txBody>
+          <a:bodyPr>
+            <a:normAutofit fontScale="90000"/>
+          </a:bodyPr>
+          <a:lstStyle/>
+          <a:p>
+            <a:r>
+              <a:rPr lang="en-US" dirty="0">
+                <a:solidFill>
+                  <a:schemeClr val="accent2">
+                    <a:lumMod val="75000"/>
+                  </a:schemeClr>
+                </a:solidFill>
+              </a:rPr>
+              <a:t>Summary </a:t>
+            </a:r>
+            <a:r>
+              <a:rPr lang="en-US" dirty="0">
+                <a:solidFill>
+                  <a:schemeClr val="tx1">
+                    <a:lumMod val="85000"/>
+                    <a:lumOff val="15000"/>
+                  </a:schemeClr>
+                </a:solidFill>
+              </a:rPr>
+              <a:t/>
+            </a:r>
+            <a:br>
+              <a:rPr lang="en-US" dirty="0">
+                <a:solidFill>
+                  <a:schemeClr val="tx1">
+                    <a:lumMod val="85000"/>
+                    <a:lumOff val="15000"/>
+                  </a:schemeClr>
+                </a:solidFill>
+              </a:rPr>
+            </a:br>
+            <a:r>
+              <a:rPr lang="en-US" dirty="0">
+                <a:solidFill>
+                  <a:schemeClr val="tx1">
+                    <a:lumMod val="85000"/>
+                    <a:lumOff val="15000"/>
+                  </a:schemeClr>
+                </a:solidFill>
+              </a:rPr>
+              <a:t/>
+            </a:r>
+            <a:br>
+              <a:rPr lang="en-US" dirty="0">
+                <a:solidFill>
+                  <a:schemeClr val="tx1">
+                    <a:lumMod val="85000"/>
+                    <a:lumOff val="15000"/>
+                  </a:schemeClr>
+                </a:solidFill>
+              </a:rPr>
+            </a:br>
+            <a:r>
+              <a:rPr lang="en-US" dirty="0">
+                <a:solidFill>
+                  <a:schemeClr val="tx1">
+                    <a:lumMod val="85000"/>
+                    <a:lumOff val="15000"/>
+                  </a:schemeClr>
+                </a:solidFill>
+              </a:rPr>
+              <a:t/>
+            </a:r>
+            <a:br>
+              <a:rPr lang="en-US" dirty="0">
+                <a:solidFill>
+                  <a:schemeClr val="tx1">
+                    <a:lumMod val="85000"/>
+                    <a:lumOff val="15000"/>
+                  </a:schemeClr>
+                </a:solidFill>
+              </a:rPr>
+            </a:br>
+            <a:r>
+              <a:rPr lang="en-US" dirty="0">
+                <a:solidFill>
+                  <a:schemeClr val="tx1">
+                    <a:lumMod val="85000"/>
+                    <a:lumOff val="15000"/>
+                  </a:schemeClr>
+                </a:solidFill>
+              </a:rPr>
+              <a:t>1.The Spirit of Life -30 folds</a:t>
+            </a:r>
+            <a:br>
+              <a:rPr lang="en-US" dirty="0">
+                <a:solidFill>
+                  <a:schemeClr val="tx1">
+                    <a:lumMod val="85000"/>
+                    <a:lumOff val="15000"/>
+                  </a:schemeClr>
+                </a:solidFill>
+              </a:rPr>
+            </a:br>
+            <a:r>
+              <a:rPr lang="en-US" dirty="0">
+                <a:solidFill>
+                  <a:schemeClr val="tx1">
+                    <a:lumMod val="85000"/>
+                    <a:lumOff val="15000"/>
+                  </a:schemeClr>
+                </a:solidFill>
+              </a:rPr>
+              <a:t>2.The Spirit of Adoption - 60 folds</a:t>
+            </a:r>
+            <a:br>
+              <a:rPr lang="en-US" dirty="0">
+                <a:solidFill>
+                  <a:schemeClr val="tx1">
+                    <a:lumMod val="85000"/>
+                    <a:lumOff val="15000"/>
+                  </a:schemeClr>
+                </a:solidFill>
+              </a:rPr>
+            </a:br>
+            <a:r>
+              <a:rPr lang="en-US" dirty="0">
+                <a:solidFill>
+                  <a:schemeClr val="tx1">
+                    <a:lumMod val="85000"/>
+                    <a:lumOff val="15000"/>
+                  </a:schemeClr>
+                </a:solidFill>
+              </a:rPr>
+              <a:t>3.The Spirit of transformation -  100 folds</a:t>
+            </a:r>
+          </a:p>
+        </p:txBody>
+      </p:sp>
+    </p:spTree>
+    <p:extLst>
+      <p:ext uri="{BB962C8B-B14F-4D97-AF65-F5344CB8AC3E}">
+        <p14:creationId xmlns:p14="http://schemas.microsoft.com/office/powerpoint/2010/main" val="1076074241"/>
+      </p:ext>
+    </p:extLst>
+  </p:cSld>
+  <p:clrMapOvr>
+    <a:masterClrMapping/>
+  </p:clrMapOvr>
+</p:sld>
+</file>
+
 <file path=ppt/slides/slide2.xml><?xml version="1.0" encoding="utf-8"?>
 <p:sld xmlns:a="http://schemas.openxmlformats.org/drawingml/2006/main" xmlns:r="http://schemas.openxmlformats.org/officeDocument/2006/relationships" xmlns:p="http://schemas.openxmlformats.org/presentationml/2006/main">
   <p:cSld>
@@ -6549,19 +7193,139 @@
             <a:spLocks noGrp="1"/>
           </p:cNvSpPr>
           <p:nvPr>
+            <p:ph type="ctrTitle"/>
+          </p:nvPr>
+        </p:nvSpPr>
+        <p:spPr>
+          <a:xfrm>
+            <a:off x="-121920" y="1827757"/>
+            <a:ext cx="9144000" cy="628060"/>
+          </a:xfrm>
+        </p:spPr>
+        <p:txBody>
+          <a:bodyPr>
+            <a:normAutofit fontScale="90000"/>
+          </a:bodyPr>
+          <a:lstStyle/>
+          <a:p>
+            <a:r>
+              <a:rPr lang="en-US" sz="3600" dirty="0">
+                <a:solidFill>
+                  <a:schemeClr val="tx1">
+                    <a:lumMod val="75000"/>
+                    <a:lumOff val="25000"/>
+                  </a:schemeClr>
+                </a:solidFill>
+              </a:rPr>
+              <a:t>1.The spirit of life: Delivering from the law of sin and death (Rom 8:2)</a:t>
+            </a:r>
+            <a:r>
+              <a:rPr lang="en-US" dirty="0"/>
+              <a:t/>
+            </a:r>
+            <a:br>
+              <a:rPr lang="en-US" dirty="0"/>
+            </a:br>
+            <a:endParaRPr lang="en-IN" dirty="0"/>
+          </a:p>
+        </p:txBody>
+      </p:sp>
+      <p:pic>
+        <p:nvPicPr>
+          <p:cNvPr id="5" name="Picture 4"/>
+          <p:cNvPicPr>
+            <a:picLocks noChangeAspect="1"/>
+          </p:cNvPicPr>
+          <p:nvPr/>
+        </p:nvPicPr>
+        <p:blipFill>
+          <a:blip r:embed="rId2">
+            <a:extLst>
+              <a:ext uri="{28A0092B-C50C-407E-A947-70E740481C1C}">
+                <a14:useLocalDpi xmlns:a14="http://schemas.microsoft.com/office/drawing/2010/main" val="0"/>
+              </a:ext>
+            </a:extLst>
+          </a:blip>
+          <a:stretch>
+            <a:fillRect/>
+          </a:stretch>
+        </p:blipFill>
+        <p:spPr>
+          <a:xfrm>
+            <a:off x="2502489" y="2375691"/>
+            <a:ext cx="5500688" cy="4120206"/>
+          </a:xfrm>
+          <a:prstGeom prst="rect">
+            <a:avLst/>
+          </a:prstGeom>
+        </p:spPr>
+      </p:pic>
+    </p:spTree>
+    <p:extLst>
+      <p:ext uri="{BB962C8B-B14F-4D97-AF65-F5344CB8AC3E}">
+        <p14:creationId xmlns:p14="http://schemas.microsoft.com/office/powerpoint/2010/main" val="1216323317"/>
+      </p:ext>
+    </p:extLst>
+  </p:cSld>
+  <p:clrMapOvr>
+    <a:masterClrMapping/>
+  </p:clrMapOvr>
+</p:sld>
+</file>
+
+<file path=ppt/slides/slide3.xml><?xml version="1.0" encoding="utf-8"?>
+<p:sld xmlns:a="http://schemas.openxmlformats.org/drawingml/2006/main" xmlns:r="http://schemas.openxmlformats.org/officeDocument/2006/relationships" xmlns:p="http://schemas.openxmlformats.org/presentationml/2006/main">
+  <p:cSld>
+    <p:spTree>
+      <p:nvGrpSpPr>
+        <p:cNvPr id="1" name=""/>
+        <p:cNvGrpSpPr/>
+        <p:nvPr/>
+      </p:nvGrpSpPr>
+      <p:grpSpPr>
+        <a:xfrm>
+          <a:off x="0" y="0"/>
+          <a:ext cx="0" cy="0"/>
+          <a:chOff x="0" y="0"/>
+          <a:chExt cx="0" cy="0"/>
+        </a:xfrm>
+      </p:grpSpPr>
+      <p:sp>
+        <p:nvSpPr>
+          <p:cNvPr id="2" name="Title 1"/>
+          <p:cNvSpPr>
+            <a:spLocks noGrp="1"/>
+          </p:cNvSpPr>
+          <p:nvPr>
             <p:ph type="title"/>
           </p:nvPr>
         </p:nvSpPr>
         <p:spPr/>
         <p:txBody>
-          <a:bodyPr/>
+          <a:bodyPr>
+            <a:normAutofit fontScale="90000"/>
+          </a:bodyPr>
           <a:lstStyle/>
           <a:p>
             <a:r>
-              <a:rPr lang="en-US" dirty="0"/>
-              <a:t>The spirit of walking : for the fulfillment of the righteous recruitment of the lord</a:t>
-            </a:r>
-            <a:endParaRPr lang="en-IN" dirty="0"/>
+              <a:rPr lang="en-US" sz="3200" dirty="0">
+                <a:solidFill>
+                  <a:schemeClr val="tx1">
+                    <a:lumMod val="85000"/>
+                    <a:lumOff val="15000"/>
+                  </a:schemeClr>
+                </a:solidFill>
+              </a:rPr>
+              <a:t>2.The spirit of walking : For the fulfillment of the righteous recruitment of the Lord (Rom 8:4(KJV))</a:t>
+            </a:r>
+            <a:endParaRPr lang="en-IN" sz="3200" dirty="0">
+              <a:solidFill>
+                <a:schemeClr val="tx1">
+                  <a:lumMod val="85000"/>
+                  <a:lumOff val="15000"/>
+                </a:schemeClr>
+              </a:solidFill>
+            </a:endParaRPr>
           </a:p>
         </p:txBody>
       </p:sp>
@@ -6608,7 +7372,7 @@
 </p:sld>
 </file>
 
-<file path=ppt/slides/slide3.xml><?xml version="1.0" encoding="utf-8"?>
+<file path=ppt/slides/slide4.xml><?xml version="1.0" encoding="utf-8"?>
 <p:sld xmlns:a="http://schemas.openxmlformats.org/drawingml/2006/main" xmlns:r="http://schemas.openxmlformats.org/officeDocument/2006/relationships" xmlns:p="http://schemas.openxmlformats.org/presentationml/2006/main">
   <p:cSld>
     <p:spTree>
@@ -6643,8 +7407,40 @@
           <a:lstStyle/>
           <a:p>
             <a:r>
+              <a:rPr lang="en-US" dirty="0">
+                <a:solidFill>
+                  <a:schemeClr val="tx1">
+                    <a:lumMod val="85000"/>
+                    <a:lumOff val="15000"/>
+                  </a:schemeClr>
+                </a:solidFill>
+              </a:rPr>
+              <a:t>3.The Spirit of mind and attitude: </a:t>
+            </a:r>
+            <a:br>
+              <a:rPr lang="en-US" dirty="0">
+                <a:solidFill>
+                  <a:schemeClr val="tx1">
+                    <a:lumMod val="85000"/>
+                    <a:lumOff val="15000"/>
+                  </a:schemeClr>
+                </a:solidFill>
+              </a:rPr>
+            </a:br>
+            <a:r>
+              <a:rPr lang="en-US" dirty="0">
+                <a:solidFill>
+                  <a:schemeClr val="tx1">
+                    <a:lumMod val="85000"/>
+                    <a:lumOff val="15000"/>
+                  </a:schemeClr>
+                </a:solidFill>
+              </a:rPr>
+              <a:t>             For life and peace  (Rom 8:6)</a:t>
+            </a:r>
+            <a:r>
               <a:rPr lang="en-US" dirty="0"/>
-              <a:t>The Spirit of mind and attitude: for life and peace</a:t>
+              <a:t/>
             </a:r>
             <a:br>
               <a:rPr lang="en-US" dirty="0"/>
@@ -6696,7 +7492,7 @@
 </p:sld>
 </file>
 
-<file path=ppt/slides/slide4.xml><?xml version="1.0" encoding="utf-8"?>
+<file path=ppt/slides/slide5.xml><?xml version="1.0" encoding="utf-8"?>
 <p:sld xmlns:a="http://schemas.openxmlformats.org/drawingml/2006/main" xmlns:r="http://schemas.openxmlformats.org/officeDocument/2006/relationships" xmlns:p="http://schemas.openxmlformats.org/presentationml/2006/main">
   <p:cSld>
     <p:spTree>
@@ -6731,21 +7527,55 @@
           <a:lstStyle/>
           <a:p>
             <a:r>
-              <a:rPr lang="en-US" dirty="0"/>
-              <a:t>The Spirit of dwelling : for being captivated by the lord to be in </a:t>
-            </a:r>
-            <a:r>
-              <a:rPr lang="en-US" dirty="0" smtClean="0"/>
-              <a:t>possession </a:t>
-            </a:r>
-            <a:r>
-              <a:rPr lang="en-US" dirty="0"/>
-              <a:t>of the lord</a:t>
+              <a:rPr lang="en-US" dirty="0">
+                <a:solidFill>
+                  <a:schemeClr val="tx1">
+                    <a:lumMod val="85000"/>
+                    <a:lumOff val="15000"/>
+                  </a:schemeClr>
+                </a:solidFill>
+              </a:rPr>
+              <a:t>4.The Spirit of dwelling : For being captivated by the Lord to be in possession of the Lord (Rom 8:9)</a:t>
             </a:r>
             <a:br>
-              <a:rPr lang="en-US" dirty="0"/>
+              <a:rPr lang="en-US" dirty="0">
+                <a:solidFill>
+                  <a:schemeClr val="tx1">
+                    <a:lumMod val="85000"/>
+                    <a:lumOff val="15000"/>
+                  </a:schemeClr>
+                </a:solidFill>
+              </a:rPr>
             </a:br>
-            <a:endParaRPr lang="en-IN" dirty="0"/>
+            <a:r>
+              <a:rPr lang="en-US" dirty="0">
+                <a:solidFill>
+                  <a:schemeClr val="tx1">
+                    <a:lumMod val="85000"/>
+                    <a:lumOff val="15000"/>
+                  </a:schemeClr>
+                </a:solidFill>
+              </a:rPr>
+              <a:t/>
+            </a:r>
+            <a:br>
+              <a:rPr lang="en-US" dirty="0">
+                <a:solidFill>
+                  <a:schemeClr val="tx1">
+                    <a:lumMod val="85000"/>
+                    <a:lumOff val="15000"/>
+                  </a:schemeClr>
+                </a:solidFill>
+              </a:rPr>
+            </a:br>
+            <a:endParaRPr lang="en-IN" dirty="0">
+              <a:solidFill>
+                <a:schemeClr val="tx1">
+                  <a:lumMod val="85000"/>
+                  <a:lumOff val="15000"/>
+                </a:schemeClr>
+              </a:solidFill>
+            </a:endParaRPr>
           </a:p>
         </p:txBody>
       </p:sp>
@@ -6792,7 +7622,7 @@
 </p:sld>
 </file>
 
-<file path=ppt/slides/slide5.xml><?xml version="1.0" encoding="utf-8"?>
+<file path=ppt/slides/slide6.xml><?xml version="1.0" encoding="utf-8"?>
 <p:sld xmlns:a="http://schemas.openxmlformats.org/drawingml/2006/main" xmlns:r="http://schemas.openxmlformats.org/officeDocument/2006/relationships" xmlns:p="http://schemas.openxmlformats.org/presentationml/2006/main">
   <p:cSld>
     <p:spTree>
@@ -6826,22 +7656,51 @@
           </a:xfrm>
         </p:spPr>
         <p:txBody>
-          <a:bodyPr/>
+          <a:bodyPr>
+            <a:normAutofit fontScale="90000"/>
+          </a:bodyPr>
           <a:lstStyle/>
           <a:p>
             <a:r>
-              <a:rPr lang="en-US" dirty="0"/>
-              <a:t>The Spirit of righteousness: to make the </a:t>
-            </a:r>
-            <a:r>
-              <a:rPr lang="en-US" dirty="0" err="1"/>
-              <a:t>fleah</a:t>
-            </a:r>
-            <a:r>
-              <a:rPr lang="en-US" dirty="0"/>
-              <a:t> dead to sin</a:t>
-            </a:r>
-            <a:endParaRPr lang="en-IN" dirty="0"/>
+              <a:rPr lang="en-US" sz="3200" dirty="0">
+                <a:solidFill>
+                  <a:schemeClr val="tx1">
+                    <a:lumMod val="85000"/>
+                    <a:lumOff val="15000"/>
+                  </a:schemeClr>
+                </a:solidFill>
+              </a:rPr>
+              <a:t>5.The Spirit of righteousness: </a:t>
+            </a:r>
+            <a:br>
+              <a:rPr lang="en-US" sz="3200" dirty="0">
+                <a:solidFill>
+                  <a:schemeClr val="tx1">
+                    <a:lumMod val="85000"/>
+                    <a:lumOff val="15000"/>
+                  </a:schemeClr>
+                </a:solidFill>
+              </a:rPr>
+            </a:br>
+            <a:r>
+              <a:rPr lang="en-US" sz="3200" dirty="0">
+                <a:solidFill>
+                  <a:schemeClr val="tx1">
+                    <a:lumMod val="85000"/>
+                    <a:lumOff val="15000"/>
+                  </a:schemeClr>
+                </a:solidFill>
+              </a:rPr>
+              <a:t>           To make the flesh dead to sin (Rom 8:10)</a:t>
+            </a:r>
+            <a:endParaRPr lang="en-IN" sz="3200" dirty="0">
+              <a:solidFill>
+                <a:schemeClr val="tx1">
+                  <a:lumMod val="85000"/>
+                  <a:lumOff val="15000"/>
+                </a:schemeClr>
+              </a:solidFill>
+            </a:endParaRPr>
           </a:p>
         </p:txBody>
       </p:sp>
@@ -6888,7 +7747,7 @@
 </p:sld>
 </file>
 
-<file path=ppt/slides/slide6.xml><?xml version="1.0" encoding="utf-8"?>
+<file path=ppt/slides/slide7.xml><?xml version="1.0" encoding="utf-8"?>
 <p:sld xmlns:a="http://schemas.openxmlformats.org/drawingml/2006/main" xmlns:r="http://schemas.openxmlformats.org/officeDocument/2006/relationships" xmlns:p="http://schemas.openxmlformats.org/presentationml/2006/main">
   <p:cSld>
     <p:spTree>
@@ -6922,14 +7781,51 @@
           </a:xfrm>
         </p:spPr>
         <p:txBody>
-          <a:bodyPr/>
+          <a:bodyPr>
+            <a:normAutofit/>
+          </a:bodyPr>
           <a:lstStyle/>
           <a:p>
             <a:r>
-              <a:rPr lang="en-US" dirty="0"/>
-              <a:t>The Spirit of resurrection : to give life to the mortal bodies</a:t>
-            </a:r>
-            <a:endParaRPr lang="en-IN" dirty="0"/>
+              <a:rPr lang="en-US" sz="3200" dirty="0">
+                <a:solidFill>
+                  <a:schemeClr val="tx1">
+                    <a:lumMod val="85000"/>
+                    <a:lumOff val="15000"/>
+                  </a:schemeClr>
+                </a:solidFill>
+              </a:rPr>
+              <a:t>6.The Spirit of resurrection : </a:t>
+            </a:r>
+            <a:br>
+              <a:rPr lang="en-US" sz="3200" dirty="0">
+                <a:solidFill>
+                  <a:schemeClr val="tx1">
+                    <a:lumMod val="85000"/>
+                    <a:lumOff val="15000"/>
+                  </a:schemeClr>
+                </a:solidFill>
+              </a:rPr>
+            </a:br>
+            <a:r>
+              <a:rPr lang="en-US" sz="3200" dirty="0">
+                <a:solidFill>
+                  <a:schemeClr val="tx1">
+                    <a:lumMod val="85000"/>
+                    <a:lumOff val="15000"/>
+                  </a:schemeClr>
+                </a:solidFill>
+              </a:rPr>
+              <a:t>   To give life to the mortal bodies (Rom 8:11)</a:t>
+            </a:r>
+            <a:endParaRPr lang="en-IN" sz="3200" dirty="0">
+              <a:solidFill>
+                <a:schemeClr val="tx1">
+                  <a:lumMod val="85000"/>
+                  <a:lumOff val="15000"/>
+                </a:schemeClr>
+              </a:solidFill>
+            </a:endParaRPr>
           </a:p>
         </p:txBody>
       </p:sp>
@@ -6976,7 +7872,7 @@
 </p:sld>
 </file>
 
-<file path=ppt/slides/slide7.xml><?xml version="1.0" encoding="utf-8"?>
+<file path=ppt/slides/slide8.xml><?xml version="1.0" encoding="utf-8"?>
 <p:sld xmlns:a="http://schemas.openxmlformats.org/drawingml/2006/main" xmlns:r="http://schemas.openxmlformats.org/officeDocument/2006/relationships" xmlns:p="http://schemas.openxmlformats.org/presentationml/2006/main">
   <p:cSld>
     <p:spTree>
@@ -7011,13 +7907,77 @@
           <a:lstStyle/>
           <a:p>
             <a:r>
-              <a:rPr lang="en-US" dirty="0"/>
-              <a:t>The Spirit of leading : To become the sons of god</a:t>
+              <a:rPr lang="en-US" dirty="0">
+                <a:solidFill>
+                  <a:schemeClr val="tx1">
+                    <a:lumMod val="85000"/>
+                    <a:lumOff val="15000"/>
+                  </a:schemeClr>
+                </a:solidFill>
+              </a:rPr>
+              <a:t>7.The Spirit of leading : </a:t>
             </a:r>
             <a:br>
-              <a:rPr lang="en-US" dirty="0"/>
+              <a:rPr lang="en-US" dirty="0">
+                <a:solidFill>
+                  <a:schemeClr val="tx1">
+                    <a:lumMod val="85000"/>
+                    <a:lumOff val="15000"/>
+                  </a:schemeClr>
+                </a:solidFill>
+              </a:rPr>
             </a:br>
-            <a:endParaRPr lang="en-IN" dirty="0"/>
+            <a:r>
+              <a:rPr lang="en-US" dirty="0">
+                <a:solidFill>
+                  <a:schemeClr val="tx1">
+                    <a:lumMod val="85000"/>
+                    <a:lumOff val="15000"/>
+                  </a:schemeClr>
+                </a:solidFill>
+              </a:rPr>
+              <a:t>         To become the sons of </a:t>
+            </a:r>
+            <a:r>
+              <a:rPr lang="en-US" dirty="0" smtClean="0">
+                <a:solidFill>
+                  <a:schemeClr val="tx1">
+                    <a:lumMod val="85000"/>
+                    <a:lumOff val="15000"/>
+                  </a:schemeClr>
+                </a:solidFill>
+              </a:rPr>
+              <a:t>God </a:t>
+            </a:r>
+            <a:r>
+              <a:rPr lang="en-US" dirty="0">
+                <a:solidFill>
+                  <a:schemeClr val="tx1">
+                    <a:lumMod val="85000"/>
+                    <a:lumOff val="15000"/>
+                  </a:schemeClr>
+                </a:solidFill>
+              </a:rPr>
+              <a:t>(Rom 8:14)</a:t>
+            </a:r>
+            <a:br>
+              <a:rPr lang="en-US" dirty="0">
+                <a:solidFill>
+                  <a:schemeClr val="tx1">
+                    <a:lumMod val="85000"/>
+                    <a:lumOff val="15000"/>
+                  </a:schemeClr>
+                </a:solidFill>
+              </a:rPr>
+            </a:br>
+            <a:endParaRPr lang="en-IN" dirty="0">
+              <a:solidFill>
+                <a:schemeClr val="tx1">
+                  <a:lumMod val="85000"/>
+                  <a:lumOff val="15000"/>
+                </a:schemeClr>
+              </a:solidFill>
+            </a:endParaRPr>
           </a:p>
         </p:txBody>
       </p:sp>
@@ -7064,7 +8024,7 @@
 </p:sld>
 </file>
 
-<file path=ppt/slides/slide8.xml><?xml version="1.0" encoding="utf-8"?>
+<file path=ppt/slides/slide9.xml><?xml version="1.0" encoding="utf-8"?>
 <p:sld xmlns:a="http://schemas.openxmlformats.org/drawingml/2006/main" xmlns:r="http://schemas.openxmlformats.org/officeDocument/2006/relationships" xmlns:p="http://schemas.openxmlformats.org/presentationml/2006/main">
   <p:cSld>
     <p:spTree>
@@ -7093,26 +8053,51 @@
         </p:nvSpPr>
         <p:spPr/>
         <p:txBody>
-          <a:bodyPr/>
+          <a:bodyPr>
+            <a:normAutofit fontScale="90000"/>
+          </a:bodyPr>
           <a:lstStyle/>
           <a:p>
             <a:r>
-              <a:rPr lang="en-US" dirty="0"/>
-              <a:t>The Spirit of </a:t>
-            </a:r>
-            <a:r>
-              <a:rPr lang="en-US" dirty="0" smtClean="0"/>
-              <a:t>adoption </a:t>
-            </a:r>
-            <a:r>
-              <a:rPr lang="en-US" dirty="0"/>
-              <a:t>: To intercede and to my ABBA</a:t>
-            </a:r>
-            <a:r>
-              <a:rPr lang="en-US" dirty="0" smtClean="0"/>
-              <a:t>, Father</a:t>
-            </a:r>
-            <a:endParaRPr lang="en-IN" dirty="0"/>
+              <a:rPr lang="en-US" sz="3200" dirty="0">
+                <a:solidFill>
+                  <a:schemeClr val="tx1">
+                    <a:lumMod val="85000"/>
+                    <a:lumOff val="15000"/>
+                  </a:schemeClr>
+                </a:solidFill>
+              </a:rPr>
+              <a:t>8.The Spirit of adoption : </a:t>
+            </a:r>
+            <a:br>
+              <a:rPr lang="en-US" sz="3200" dirty="0">
+                <a:solidFill>
+                  <a:schemeClr val="tx1">
+                    <a:lumMod val="85000"/>
+                    <a:lumOff val="15000"/>
+                  </a:schemeClr>
+                </a:solidFill>
+              </a:rPr>
+            </a:br>
+            <a:r>
+              <a:rPr lang="en-US" sz="3200" dirty="0">
+                <a:solidFill>
+                  <a:schemeClr val="tx1">
+                    <a:lumMod val="85000"/>
+                    <a:lumOff val="15000"/>
+                  </a:schemeClr>
+                </a:solidFill>
+              </a:rPr>
+              <a:t>  To intercede and to my ABBA, Father (Rom 8:15)</a:t>
+            </a:r>
+            <a:endParaRPr lang="en-IN" sz="3200" dirty="0">
+              <a:solidFill>
+                <a:schemeClr val="tx1">
+                  <a:lumMod val="85000"/>
+                  <a:lumOff val="15000"/>
+                </a:schemeClr>
+              </a:solidFill>
+            </a:endParaRPr>
           </a:p>
         </p:txBody>
       </p:sp>
@@ -7150,100 +8135,6 @@
     <p:extLst>
       <p:ext uri="{BB962C8B-B14F-4D97-AF65-F5344CB8AC3E}">
         <p14:creationId xmlns:p14="http://schemas.microsoft.com/office/powerpoint/2010/main" val="763485502"/>
-      </p:ext>
-    </p:extLst>
-  </p:cSld>
-  <p:clrMapOvr>
-    <a:masterClrMapping/>
-  </p:clrMapOvr>
-</p:sld>
-</file>
-
-<file path=ppt/slides/slide9.xml><?xml version="1.0" encoding="utf-8"?>
-<p:sld xmlns:a="http://schemas.openxmlformats.org/drawingml/2006/main" xmlns:r="http://schemas.openxmlformats.org/officeDocument/2006/relationships" xmlns:p="http://schemas.openxmlformats.org/presentationml/2006/main">
-  <p:cSld>
-    <p:spTree>
-      <p:nvGrpSpPr>
-        <p:cNvPr id="1" name=""/>
-        <p:cNvGrpSpPr/>
-        <p:nvPr/>
-      </p:nvGrpSpPr>
-      <p:grpSpPr>
-        <a:xfrm>
-          <a:off x="0" y="0"/>
-          <a:ext cx="0" cy="0"/>
-          <a:chOff x="0" y="0"/>
-          <a:chExt cx="0" cy="0"/>
-        </a:xfrm>
-      </p:grpSpPr>
-      <p:sp>
-        <p:nvSpPr>
-          <p:cNvPr id="2" name="Title 1"/>
-          <p:cNvSpPr>
-            <a:spLocks noGrp="1"/>
-          </p:cNvSpPr>
-          <p:nvPr>
-            <p:ph type="title"/>
-          </p:nvPr>
-        </p:nvSpPr>
-        <p:spPr>
-          <a:xfrm>
-            <a:off x="442202" y="313509"/>
-            <a:ext cx="8596668" cy="1320800"/>
-          </a:xfrm>
-        </p:spPr>
-        <p:txBody>
-          <a:bodyPr>
-            <a:normAutofit fontScale="90000"/>
-          </a:bodyPr>
-          <a:lstStyle/>
-          <a:p>
-            <a:r>
-              <a:rPr lang="en-US" dirty="0"/>
-              <a:t>The Spirit of inheritance : To be the heirs of god and to become the joint heirs with </a:t>
-            </a:r>
-            <a:r>
-              <a:rPr lang="en-US" dirty="0" smtClean="0"/>
-              <a:t>Christ</a:t>
-            </a:r>
-            <a:endParaRPr lang="en-IN" dirty="0"/>
-          </a:p>
-        </p:txBody>
-      </p:sp>
-      <p:pic>
-        <p:nvPicPr>
-          <p:cNvPr id="4" name="Picture 3"/>
-          <p:cNvPicPr>
-            <a:picLocks noChangeAspect="1"/>
-          </p:cNvPicPr>
-          <p:nvPr/>
-        </p:nvPicPr>
-        <p:blipFill>
-          <a:blip r:embed="rId2">
-            <a:extLst>
-              <a:ext uri="{28A0092B-C50C-407E-A947-70E740481C1C}">
-                <a14:useLocalDpi xmlns:a14="http://schemas.microsoft.com/office/drawing/2010/main" val="0"/>
-              </a:ext>
-            </a:extLst>
-          </a:blip>
-          <a:stretch>
-            <a:fillRect/>
-          </a:stretch>
-        </p:blipFill>
-        <p:spPr>
-          <a:xfrm>
-            <a:off x="2186668" y="1992494"/>
-            <a:ext cx="6076950" cy="4562475"/>
-          </a:xfrm>
-          <a:prstGeom prst="rect">
-            <a:avLst/>
-          </a:prstGeom>
-        </p:spPr>
-      </p:pic>
-    </p:spTree>
-    <p:extLst>
-      <p:ext uri="{BB962C8B-B14F-4D97-AF65-F5344CB8AC3E}">
-        <p14:creationId xmlns:p14="http://schemas.microsoft.com/office/powerpoint/2010/main" val="1701061946"/>
       </p:ext>
     </p:extLst>
   </p:cSld>
